--- a/Apresentação_professor_v1.pptx
+++ b/Apresentação_professor_v1.pptx
@@ -5,16 +5,21 @@
     <p:sldMasterId id="2147483648" r:id="rId4"/>
   </p:sldMasterIdLst>
   <p:notesMasterIdLst>
-    <p:notesMasterId r:id="rId9"/>
+    <p:notesMasterId r:id="rId14"/>
   </p:notesMasterIdLst>
   <p:handoutMasterIdLst>
-    <p:handoutMasterId r:id="rId10"/>
+    <p:handoutMasterId r:id="rId15"/>
   </p:handoutMasterIdLst>
   <p:sldIdLst>
     <p:sldId id="258" r:id="rId5"/>
-    <p:sldId id="265" r:id="rId6"/>
-    <p:sldId id="266" r:id="rId7"/>
-    <p:sldId id="267" r:id="rId8"/>
+    <p:sldId id="268" r:id="rId6"/>
+    <p:sldId id="265" r:id="rId7"/>
+    <p:sldId id="266" r:id="rId8"/>
+    <p:sldId id="267" r:id="rId9"/>
+    <p:sldId id="269" r:id="rId10"/>
+    <p:sldId id="270" r:id="rId11"/>
+    <p:sldId id="271" r:id="rId12"/>
+    <p:sldId id="272" r:id="rId13"/>
   </p:sldIdLst>
   <p:sldSz cx="12192000" cy="6858000"/>
   <p:notesSz cx="6858000" cy="9144000"/>
@@ -817,6 +822,94 @@
     <p:extLst>
       <p:ext uri="{BB962C8B-B14F-4D97-AF65-F5344CB8AC3E}">
         <p14:creationId xmlns:p14="http://schemas.microsoft.com/office/powerpoint/2010/main" val="1866695070"/>
+      </p:ext>
+    </p:extLst>
+  </p:cSld>
+  <p:clrMapOvr>
+    <a:masterClrMapping/>
+  </p:clrMapOvr>
+</p:notes>
+</file>
+
+<file path=ppt/notesSlides/notesSlide3.xml><?xml version="1.0" encoding="utf-8"?>
+<p:notes xmlns:a="http://schemas.openxmlformats.org/drawingml/2006/main" xmlns:r="http://schemas.openxmlformats.org/officeDocument/2006/relationships" xmlns:p="http://schemas.openxmlformats.org/presentationml/2006/main">
+  <p:cSld>
+    <p:spTree>
+      <p:nvGrpSpPr>
+        <p:cNvPr id="1" name=""/>
+        <p:cNvGrpSpPr/>
+        <p:nvPr/>
+      </p:nvGrpSpPr>
+      <p:grpSpPr>
+        <a:xfrm>
+          <a:off x="0" y="0"/>
+          <a:ext cx="0" cy="0"/>
+          <a:chOff x="0" y="0"/>
+          <a:chExt cx="0" cy="0"/>
+        </a:xfrm>
+      </p:grpSpPr>
+      <p:sp>
+        <p:nvSpPr>
+          <p:cNvPr id="2" name="Slide Image Placeholder 1"/>
+          <p:cNvSpPr>
+            <a:spLocks noGrp="1" noRot="1" noChangeAspect="1"/>
+          </p:cNvSpPr>
+          <p:nvPr>
+            <p:ph type="sldImg"/>
+          </p:nvPr>
+        </p:nvSpPr>
+        <p:spPr/>
+      </p:sp>
+      <p:sp>
+        <p:nvSpPr>
+          <p:cNvPr id="3" name="Notes Placeholder 2"/>
+          <p:cNvSpPr>
+            <a:spLocks noGrp="1"/>
+          </p:cNvSpPr>
+          <p:nvPr>
+            <p:ph type="body" idx="1"/>
+          </p:nvPr>
+        </p:nvSpPr>
+        <p:spPr/>
+        <p:txBody>
+          <a:bodyPr/>
+          <a:lstStyle/>
+          <a:p>
+            <a:r>
+              <a:rPr lang="pt-PT" dirty="0" smtClean="0"/>
+              <a:t>Tem de se verificar se fica bem assim ou não…</a:t>
+            </a:r>
+            <a:endParaRPr lang="pt-PT" dirty="0"/>
+          </a:p>
+        </p:txBody>
+      </p:sp>
+      <p:sp>
+        <p:nvSpPr>
+          <p:cNvPr id="4" name="Slide Number Placeholder 3"/>
+          <p:cNvSpPr>
+            <a:spLocks noGrp="1"/>
+          </p:cNvSpPr>
+          <p:nvPr>
+            <p:ph type="sldNum" sz="quarter" idx="10"/>
+          </p:nvPr>
+        </p:nvSpPr>
+        <p:spPr/>
+        <p:txBody>
+          <a:bodyPr/>
+          <a:lstStyle/>
+          <a:p>
+            <a:r>
+              <a:rPr lang="pt-PT" smtClean="0"/>
+              <a:t>‹#›</a:t>
+            </a:r>
+            <a:endParaRPr lang="pt-PT" dirty="0"/>
+          </a:p>
+        </p:txBody>
+      </p:sp>
+    </p:spTree>
+    <p:extLst>
+      <p:ext uri="{BB962C8B-B14F-4D97-AF65-F5344CB8AC3E}">
+        <p14:creationId xmlns:p14="http://schemas.microsoft.com/office/powerpoint/2010/main" val="3827577909"/>
       </p:ext>
     </p:extLst>
   </p:cSld>
@@ -4433,36 +4526,12 @@
       </p:grpSpPr>
       <p:sp>
         <p:nvSpPr>
-          <p:cNvPr id="2" name="Título 1"/>
+          <p:cNvPr id="2" name="Title 1"/>
           <p:cNvSpPr>
             <a:spLocks noGrp="1"/>
           </p:cNvSpPr>
           <p:nvPr>
             <p:ph type="title"/>
-          </p:nvPr>
-        </p:nvSpPr>
-        <p:spPr/>
-        <p:txBody>
-          <a:bodyPr rtlCol="0"/>
-          <a:lstStyle/>
-          <a:p>
-            <a:pPr rtl="0"/>
-            <a:r>
-              <a:rPr lang="pt-PT" dirty="0" smtClean="0"/>
-              <a:t>Introdução</a:t>
-            </a:r>
-            <a:endParaRPr lang="pt-PT" dirty="0"/>
-          </a:p>
-        </p:txBody>
-      </p:sp>
-      <p:sp>
-        <p:nvSpPr>
-          <p:cNvPr id="6" name="Footer Placeholder 5"/>
-          <p:cNvSpPr>
-            <a:spLocks noGrp="1"/>
-          </p:cNvSpPr>
-          <p:nvPr>
-            <p:ph type="ftr" sz="quarter" idx="11"/>
           </p:nvPr>
         </p:nvSpPr>
         <p:spPr/>
@@ -4471,6 +4540,29 @@
           <a:lstStyle/>
           <a:p>
             <a:r>
+              <a:rPr lang="pt-PT" dirty="0" smtClean="0"/>
+              <a:t>Introdução                                                                                    1/2</a:t>
+            </a:r>
+            <a:endParaRPr lang="pt-PT" dirty="0"/>
+          </a:p>
+        </p:txBody>
+      </p:sp>
+      <p:sp>
+        <p:nvSpPr>
+          <p:cNvPr id="3" name="Footer Placeholder 2"/>
+          <p:cNvSpPr>
+            <a:spLocks noGrp="1"/>
+          </p:cNvSpPr>
+          <p:nvPr>
+            <p:ph type="ftr" sz="quarter" idx="11"/>
+          </p:nvPr>
+        </p:nvSpPr>
+        <p:spPr/>
+        <p:txBody>
+          <a:bodyPr/>
+          <a:lstStyle/>
+          <a:p>
+            <a:r>
               <a:rPr lang="pt-PT" smtClean="0"/>
               <a:t>SharedPen – Projecto de Sistemas de Informação 2014/15</a:t>
             </a:r>
@@ -4480,7 +4572,7 @@
       </p:sp>
       <p:sp>
         <p:nvSpPr>
-          <p:cNvPr id="8" name="Slide Number Placeholder 7"/>
+          <p:cNvPr id="4" name="Slide Number Placeholder 3"/>
           <p:cNvSpPr>
             <a:spLocks noGrp="1"/>
           </p:cNvSpPr>
@@ -4504,204 +4596,16 @@
       </p:sp>
       <p:sp>
         <p:nvSpPr>
-          <p:cNvPr id="4" name="Marcador de Posição de Conteúdo 3"/>
-          <p:cNvSpPr>
-            <a:spLocks noGrp="1"/>
-          </p:cNvSpPr>
-          <p:nvPr>
-            <p:ph sz="half" idx="4294967295"/>
-          </p:nvPr>
+          <p:cNvPr id="6" name="Marcador de Posição de Conteúdo 3"/>
+          <p:cNvSpPr txBox="1">
+            <a:spLocks/>
+          </p:cNvSpPr>
+          <p:nvPr/>
         </p:nvSpPr>
         <p:spPr>
           <a:xfrm>
-            <a:off x="781878" y="2375521"/>
-            <a:ext cx="6228521" cy="3433763"/>
-          </a:xfrm>
-        </p:spPr>
-        <p:txBody>
-          <a:bodyPr rtlCol="0"/>
-          <a:lstStyle/>
-          <a:p>
-            <a:r>
-              <a:rPr lang="pt-PT" sz="2000" dirty="0"/>
-              <a:t>Este projeto surgiu na necessidade do Agrupamento de Escolas Artur Gonçalves em deter um </a:t>
-            </a:r>
-            <a:r>
-              <a:rPr lang="pt-PT" sz="2000" i="1" dirty="0"/>
-              <a:t>software </a:t>
-            </a:r>
-            <a:r>
-              <a:rPr lang="pt-PT" sz="2000" dirty="0" smtClean="0"/>
-              <a:t>que permita ao alunos desenvolver a sua capacidade de escrita recorrendo ao uso das novas tecnologias.</a:t>
-            </a:r>
-            <a:endParaRPr lang="pt-PT" dirty="0" smtClean="0">
-              <a:solidFill>
-                <a:srgbClr val="404040"/>
-              </a:solidFill>
-            </a:endParaRPr>
-          </a:p>
-          <a:p>
-            <a:pPr marL="0" indent="0" rtl="0">
-              <a:buNone/>
-            </a:pPr>
-            <a:endParaRPr lang="pt-PT" dirty="0"/>
-          </a:p>
-        </p:txBody>
-      </p:sp>
-      <p:pic>
-        <p:nvPicPr>
-          <p:cNvPr id="7" name="Marcador de Posição de Conteúdo 6" descr="2202879.jpg"/>
-          <p:cNvPicPr>
-            <a:picLocks noGrp="1" noChangeAspect="1"/>
-          </p:cNvPicPr>
-          <p:nvPr>
-            <p:ph sz="quarter" idx="4294967295"/>
-          </p:nvPr>
-        </p:nvPicPr>
-        <p:blipFill>
-          <a:blip r:embed="rId3"/>
-          <a:stretch>
-            <a:fillRect/>
-          </a:stretch>
-        </p:blipFill>
-        <p:spPr>
-          <a:xfrm>
-            <a:off x="7339693" y="2375521"/>
-            <a:ext cx="3200400" cy="2376487"/>
-          </a:xfrm>
-        </p:spPr>
-      </p:pic>
-    </p:spTree>
-    <p:extLst>
-      <p:ext uri="{BB962C8B-B14F-4D97-AF65-F5344CB8AC3E}">
-        <p14:creationId xmlns:p14="http://schemas.microsoft.com/office/powerpoint/2010/main" val="888304381"/>
-      </p:ext>
-    </p:extLst>
-  </p:cSld>
-  <p:clrMapOvr>
-    <a:masterClrMapping/>
-  </p:clrMapOvr>
-  <mc:AlternateContent xmlns:mc="http://schemas.openxmlformats.org/markup-compatibility/2006" xmlns:p14="http://schemas.microsoft.com/office/powerpoint/2010/main">
-    <mc:Choice Requires="p14">
-      <p:transition spd="med" p14:dur="700">
-        <p:fade/>
-      </p:transition>
-    </mc:Choice>
-    <mc:Fallback xmlns="">
-      <p:transition spd="med">
-        <p:fade/>
-      </p:transition>
-    </mc:Fallback>
-  </mc:AlternateContent>
-  <p:timing>
-    <p:tnLst>
-      <p:par>
-        <p:cTn id="1" dur="indefinite" restart="never" nodeType="tmRoot"/>
-      </p:par>
-    </p:tnLst>
-  </p:timing>
-</p:sld>
-</file>
-
-<file path=ppt/slides/slide3.xml><?xml version="1.0" encoding="utf-8"?>
-<p:sld xmlns:a="http://schemas.openxmlformats.org/drawingml/2006/main" xmlns:r="http://schemas.openxmlformats.org/officeDocument/2006/relationships" xmlns:p="http://schemas.openxmlformats.org/presentationml/2006/main">
-  <p:cSld>
-    <p:spTree>
-      <p:nvGrpSpPr>
-        <p:cNvPr id="1" name=""/>
-        <p:cNvGrpSpPr/>
-        <p:nvPr/>
-      </p:nvGrpSpPr>
-      <p:grpSpPr>
-        <a:xfrm>
-          <a:off x="0" y="0"/>
-          <a:ext cx="0" cy="0"/>
-          <a:chOff x="0" y="0"/>
-          <a:chExt cx="0" cy="0"/>
-        </a:xfrm>
-      </p:grpSpPr>
-      <p:sp>
-        <p:nvSpPr>
-          <p:cNvPr id="2" name="Title 1"/>
-          <p:cNvSpPr>
-            <a:spLocks noGrp="1"/>
-          </p:cNvSpPr>
-          <p:nvPr>
-            <p:ph type="title"/>
-          </p:nvPr>
-        </p:nvSpPr>
-        <p:spPr/>
-        <p:txBody>
-          <a:bodyPr/>
-          <a:lstStyle/>
-          <a:p>
-            <a:r>
-              <a:rPr lang="pt-PT" dirty="0" smtClean="0"/>
-              <a:t>Requisitos</a:t>
-            </a:r>
-            <a:endParaRPr lang="pt-PT" dirty="0"/>
-          </a:p>
-        </p:txBody>
-      </p:sp>
-      <p:sp>
-        <p:nvSpPr>
-          <p:cNvPr id="14" name="Footer Placeholder 13"/>
-          <p:cNvSpPr>
-            <a:spLocks noGrp="1"/>
-          </p:cNvSpPr>
-          <p:nvPr>
-            <p:ph type="ftr" sz="quarter" idx="11"/>
-          </p:nvPr>
-        </p:nvSpPr>
-        <p:spPr/>
-        <p:txBody>
-          <a:bodyPr/>
-          <a:lstStyle/>
-          <a:p>
-            <a:r>
-              <a:rPr lang="pt-PT" smtClean="0"/>
-              <a:t>SharedPen – Projecto de Sistemas de Informação 2014/15</a:t>
-            </a:r>
-            <a:endParaRPr lang="pt-PT" dirty="0"/>
-          </a:p>
-        </p:txBody>
-      </p:sp>
-      <p:sp>
-        <p:nvSpPr>
-          <p:cNvPr id="15" name="Slide Number Placeholder 14"/>
-          <p:cNvSpPr>
-            <a:spLocks noGrp="1"/>
-          </p:cNvSpPr>
-          <p:nvPr>
-            <p:ph type="sldNum" sz="quarter" idx="12"/>
-          </p:nvPr>
-        </p:nvSpPr>
-        <p:spPr/>
-        <p:txBody>
-          <a:bodyPr/>
-          <a:lstStyle/>
-          <a:p>
-            <a:pPr rtl="0"/>
-            <a:r>
-              <a:rPr lang="pt-PT" dirty="0" smtClean="0"/>
-              <a:t>3</a:t>
-            </a:r>
-            <a:endParaRPr lang="pt-PT" dirty="0"/>
-          </a:p>
-        </p:txBody>
-      </p:sp>
-      <p:sp>
-        <p:nvSpPr>
-          <p:cNvPr id="16" name="Marcador de Posição de Conteúdo 3"/>
-          <p:cNvSpPr txBox="1">
-            <a:spLocks/>
-          </p:cNvSpPr>
-          <p:nvPr/>
-        </p:nvSpPr>
-        <p:spPr>
-          <a:xfrm>
-            <a:off x="781878" y="2375521"/>
-            <a:ext cx="9700592" cy="3433763"/>
+            <a:off x="1280160" y="3581469"/>
+            <a:ext cx="8852452" cy="1480862"/>
           </a:xfrm>
           <a:prstGeom prst="rect">
             <a:avLst/>
@@ -4878,43 +4782,15 @@
           <a:p>
             <a:r>
               <a:rPr lang="pt-PT" sz="2000" dirty="0" smtClean="0"/>
-              <a:t>Criar um Software que permita ao alunos desenvolver textos criativos, recorrendo ao uso de escrita colaborativa.</a:t>
-            </a:r>
-          </a:p>
-          <a:p>
+              <a:t>O </a:t>
+            </a:r>
+            <a:r>
+              <a:rPr lang="pt-PT" sz="2000" dirty="0" err="1" smtClean="0"/>
+              <a:t>SharedPen</a:t>
+            </a:r>
             <a:r>
               <a:rPr lang="pt-PT" sz="2000" dirty="0" smtClean="0"/>
-              <a:t>Promover o desenvolvimento de da competência de escrita dos alunos.</a:t>
-            </a:r>
-          </a:p>
-          <a:p>
-            <a:r>
-              <a:rPr lang="pt-PT" sz="2000" dirty="0" smtClean="0">
-                <a:solidFill>
-                  <a:srgbClr val="404040"/>
-                </a:solidFill>
-              </a:rPr>
-              <a:t>Contribuir para um melhor aproveitamento dos alunos na linguagem Portuguesa.</a:t>
-            </a:r>
-          </a:p>
-          <a:p>
-            <a:r>
-              <a:rPr lang="pt-PT" sz="2000" dirty="0" smtClean="0">
-                <a:solidFill>
-                  <a:srgbClr val="404040"/>
-                </a:solidFill>
-              </a:rPr>
-              <a:t>Auxiliar o aluno no processo de construção da sua aprendizagem, numa perspetiva de desenvolvimento integral do aluno.</a:t>
-            </a:r>
-          </a:p>
-          <a:p>
-            <a:r>
-              <a:rPr lang="pt-PT" sz="2000" dirty="0" smtClean="0">
-                <a:solidFill>
-                  <a:srgbClr val="404040"/>
-                </a:solidFill>
-              </a:rPr>
-              <a:t>Divulgar os projetos de escrita junto da comunidade educativa.</a:t>
+              <a:t> é um software que visa ajudar a melhorar a capacidade dos alunos, não só a desenvolver textos criativos como também a desenvolverem as suas próprias capacidades, recorrendo ao uso de escrita colaborativa</a:t>
             </a:r>
             <a:endParaRPr lang="pt-PT" dirty="0" smtClean="0">
               <a:solidFill>
@@ -4934,7 +4810,189 @@
     </p:spTree>
     <p:extLst>
       <p:ext uri="{BB962C8B-B14F-4D97-AF65-F5344CB8AC3E}">
-        <p14:creationId xmlns:p14="http://schemas.microsoft.com/office/powerpoint/2010/main" val="2341411173"/>
+        <p14:creationId xmlns:p14="http://schemas.microsoft.com/office/powerpoint/2010/main" val="1888285430"/>
+      </p:ext>
+    </p:extLst>
+  </p:cSld>
+  <p:clrMapOvr>
+    <a:masterClrMapping/>
+  </p:clrMapOvr>
+  <mc:AlternateContent xmlns:mc="http://schemas.openxmlformats.org/markup-compatibility/2006">
+    <mc:Choice xmlns:p14="http://schemas.microsoft.com/office/powerpoint/2010/main" Requires="p14">
+      <p:transition spd="med" p14:dur="700">
+        <p:fade/>
+      </p:transition>
+    </mc:Choice>
+    <mc:Fallback>
+      <p:transition spd="med">
+        <p:fade/>
+      </p:transition>
+    </mc:Fallback>
+  </mc:AlternateContent>
+</p:sld>
+</file>
+
+<file path=ppt/slides/slide3.xml><?xml version="1.0" encoding="utf-8"?>
+<p:sld xmlns:a="http://schemas.openxmlformats.org/drawingml/2006/main" xmlns:r="http://schemas.openxmlformats.org/officeDocument/2006/relationships" xmlns:p="http://schemas.openxmlformats.org/presentationml/2006/main">
+  <p:cSld>
+    <p:spTree>
+      <p:nvGrpSpPr>
+        <p:cNvPr id="1" name=""/>
+        <p:cNvGrpSpPr/>
+        <p:nvPr/>
+      </p:nvGrpSpPr>
+      <p:grpSpPr>
+        <a:xfrm>
+          <a:off x="0" y="0"/>
+          <a:ext cx="0" cy="0"/>
+          <a:chOff x="0" y="0"/>
+          <a:chExt cx="0" cy="0"/>
+        </a:xfrm>
+      </p:grpSpPr>
+      <p:sp>
+        <p:nvSpPr>
+          <p:cNvPr id="2" name="Título 1"/>
+          <p:cNvSpPr>
+            <a:spLocks noGrp="1"/>
+          </p:cNvSpPr>
+          <p:nvPr>
+            <p:ph type="title"/>
+          </p:nvPr>
+        </p:nvSpPr>
+        <p:spPr/>
+        <p:txBody>
+          <a:bodyPr rtlCol="0"/>
+          <a:lstStyle/>
+          <a:p>
+            <a:pPr rtl="0"/>
+            <a:r>
+              <a:rPr lang="pt-PT" dirty="0" smtClean="0"/>
+              <a:t>Introdução                                                                                    2/2</a:t>
+            </a:r>
+            <a:endParaRPr lang="pt-PT" dirty="0"/>
+          </a:p>
+        </p:txBody>
+      </p:sp>
+      <p:sp>
+        <p:nvSpPr>
+          <p:cNvPr id="6" name="Footer Placeholder 5"/>
+          <p:cNvSpPr>
+            <a:spLocks noGrp="1"/>
+          </p:cNvSpPr>
+          <p:nvPr>
+            <p:ph type="ftr" sz="quarter" idx="11"/>
+          </p:nvPr>
+        </p:nvSpPr>
+        <p:spPr/>
+        <p:txBody>
+          <a:bodyPr/>
+          <a:lstStyle/>
+          <a:p>
+            <a:r>
+              <a:rPr lang="pt-PT" smtClean="0"/>
+              <a:t>SharedPen – Projecto de Sistemas de Informação 2014/15</a:t>
+            </a:r>
+            <a:endParaRPr lang="pt-PT" dirty="0"/>
+          </a:p>
+        </p:txBody>
+      </p:sp>
+      <p:sp>
+        <p:nvSpPr>
+          <p:cNvPr id="8" name="Slide Number Placeholder 7"/>
+          <p:cNvSpPr>
+            <a:spLocks noGrp="1"/>
+          </p:cNvSpPr>
+          <p:nvPr>
+            <p:ph type="sldNum" sz="quarter" idx="12"/>
+          </p:nvPr>
+        </p:nvSpPr>
+        <p:spPr/>
+        <p:txBody>
+          <a:bodyPr/>
+          <a:lstStyle/>
+          <a:p>
+            <a:pPr rtl="0"/>
+            <a:r>
+              <a:rPr lang="pt-PT" dirty="0" smtClean="0"/>
+              <a:t>3</a:t>
+            </a:r>
+            <a:endParaRPr lang="pt-PT" dirty="0"/>
+          </a:p>
+        </p:txBody>
+      </p:sp>
+      <p:sp>
+        <p:nvSpPr>
+          <p:cNvPr id="4" name="Marcador de Posição de Conteúdo 3"/>
+          <p:cNvSpPr>
+            <a:spLocks noGrp="1"/>
+          </p:cNvSpPr>
+          <p:nvPr>
+            <p:ph sz="half" idx="4294967295"/>
+          </p:nvPr>
+        </p:nvSpPr>
+        <p:spPr>
+          <a:xfrm>
+            <a:off x="768626" y="3424238"/>
+            <a:ext cx="6228521" cy="1863380"/>
+          </a:xfrm>
+        </p:spPr>
+        <p:txBody>
+          <a:bodyPr rtlCol="0"/>
+          <a:lstStyle/>
+          <a:p>
+            <a:r>
+              <a:rPr lang="pt-PT" sz="2000" dirty="0"/>
+              <a:t>Este projeto surgiu na necessidade do Agrupamento de Escolas Artur Gonçalves em deter um </a:t>
+            </a:r>
+            <a:r>
+              <a:rPr lang="pt-PT" sz="2000" i="1" dirty="0"/>
+              <a:t>software </a:t>
+            </a:r>
+            <a:r>
+              <a:rPr lang="pt-PT" sz="2000" dirty="0" smtClean="0"/>
+              <a:t>que permita ao alunos desenvolver a sua capacidade de escrita recorrendo ao uso das novas tecnologias.</a:t>
+            </a:r>
+            <a:endParaRPr lang="pt-PT" dirty="0" smtClean="0">
+              <a:solidFill>
+                <a:srgbClr val="404040"/>
+              </a:solidFill>
+            </a:endParaRPr>
+          </a:p>
+          <a:p>
+            <a:pPr marL="0" indent="0" rtl="0">
+              <a:buNone/>
+            </a:pPr>
+            <a:endParaRPr lang="pt-PT" dirty="0"/>
+          </a:p>
+        </p:txBody>
+      </p:sp>
+      <p:pic>
+        <p:nvPicPr>
+          <p:cNvPr id="7" name="Marcador de Posição de Conteúdo 6" descr="2202879.jpg"/>
+          <p:cNvPicPr>
+            <a:picLocks noGrp="1" noChangeAspect="1"/>
+          </p:cNvPicPr>
+          <p:nvPr>
+            <p:ph sz="quarter" idx="4294967295"/>
+          </p:nvPr>
+        </p:nvPicPr>
+        <p:blipFill>
+          <a:blip r:embed="rId3"/>
+          <a:stretch>
+            <a:fillRect/>
+          </a:stretch>
+        </p:blipFill>
+        <p:spPr>
+          <a:xfrm>
+            <a:off x="7339693" y="2375521"/>
+            <a:ext cx="3200400" cy="2376487"/>
+          </a:xfrm>
+        </p:spPr>
+      </p:pic>
+    </p:spTree>
+    <p:extLst>
+      <p:ext uri="{BB962C8B-B14F-4D97-AF65-F5344CB8AC3E}">
+        <p14:creationId xmlns:p14="http://schemas.microsoft.com/office/powerpoint/2010/main" val="888304381"/>
       </p:ext>
     </p:extLst>
   </p:cSld>
@@ -4997,7 +5055,7 @@
           <a:p>
             <a:r>
               <a:rPr lang="pt-PT" dirty="0" smtClean="0"/>
-              <a:t>Estudo do estado da arte</a:t>
+              <a:t>Requisitos</a:t>
             </a:r>
             <a:endParaRPr lang="pt-PT" dirty="0"/>
           </a:p>
@@ -5005,7 +5063,7 @@
       </p:sp>
       <p:sp>
         <p:nvSpPr>
-          <p:cNvPr id="3" name="Footer Placeholder 2"/>
+          <p:cNvPr id="14" name="Footer Placeholder 13"/>
           <p:cNvSpPr>
             <a:spLocks noGrp="1"/>
           </p:cNvSpPr>
@@ -5028,7 +5086,7 @@
       </p:sp>
       <p:sp>
         <p:nvSpPr>
-          <p:cNvPr id="4" name="Slide Number Placeholder 3"/>
+          <p:cNvPr id="15" name="Slide Number Placeholder 14"/>
           <p:cNvSpPr>
             <a:spLocks noGrp="1"/>
           </p:cNvSpPr>
@@ -5052,7 +5110,7 @@
       </p:sp>
       <p:sp>
         <p:nvSpPr>
-          <p:cNvPr id="5" name="Marcador de Posição de Conteúdo 3"/>
+          <p:cNvPr id="16" name="Marcador de Posição de Conteúdo 3"/>
           <p:cNvSpPr txBox="1">
             <a:spLocks/>
           </p:cNvSpPr>
@@ -5060,8 +5118,8 @@
         </p:nvSpPr>
         <p:spPr>
           <a:xfrm>
-            <a:off x="781878" y="2375522"/>
-            <a:ext cx="9700592" cy="1728128"/>
+            <a:off x="781878" y="2375521"/>
+            <a:ext cx="9700592" cy="3433763"/>
           </a:xfrm>
           <a:prstGeom prst="rect">
             <a:avLst/>
@@ -5238,6 +5296,366 @@
           <a:p>
             <a:r>
               <a:rPr lang="pt-PT" sz="2000" dirty="0" smtClean="0"/>
+              <a:t>Criar um Software que permita ao alunos desenvolver textos criativos, recorrendo ao uso de escrita colaborativa.</a:t>
+            </a:r>
+          </a:p>
+          <a:p>
+            <a:r>
+              <a:rPr lang="pt-PT" sz="2000" dirty="0" smtClean="0"/>
+              <a:t>Promover o desenvolvimento de da competência de escrita dos alunos.</a:t>
+            </a:r>
+          </a:p>
+          <a:p>
+            <a:r>
+              <a:rPr lang="pt-PT" sz="2000" dirty="0" smtClean="0">
+                <a:solidFill>
+                  <a:srgbClr val="404040"/>
+                </a:solidFill>
+              </a:rPr>
+              <a:t>Contribuir para um melhor aproveitamento dos alunos na linguagem Portuguesa.</a:t>
+            </a:r>
+          </a:p>
+          <a:p>
+            <a:r>
+              <a:rPr lang="pt-PT" sz="2000" dirty="0" smtClean="0">
+                <a:solidFill>
+                  <a:srgbClr val="404040"/>
+                </a:solidFill>
+              </a:rPr>
+              <a:t>Auxiliar o aluno no processo de construção da sua aprendizagem, numa perspetiva de desenvolvimento integral do aluno.</a:t>
+            </a:r>
+          </a:p>
+          <a:p>
+            <a:r>
+              <a:rPr lang="pt-PT" sz="2000" dirty="0" smtClean="0">
+                <a:solidFill>
+                  <a:srgbClr val="404040"/>
+                </a:solidFill>
+              </a:rPr>
+              <a:t>Divulgar os projetos de escrita junto da comunidade educativa.</a:t>
+            </a:r>
+            <a:endParaRPr lang="pt-PT" dirty="0" smtClean="0">
+              <a:solidFill>
+                <a:srgbClr val="404040"/>
+              </a:solidFill>
+            </a:endParaRPr>
+          </a:p>
+          <a:p>
+            <a:pPr marL="0" indent="0">
+              <a:buFont typeface="Wingdings" panose="05000000000000000000" pitchFamily="2" charset="2"/>
+              <a:buNone/>
+            </a:pPr>
+            <a:endParaRPr lang="pt-PT" dirty="0"/>
+          </a:p>
+        </p:txBody>
+      </p:sp>
+    </p:spTree>
+    <p:extLst>
+      <p:ext uri="{BB962C8B-B14F-4D97-AF65-F5344CB8AC3E}">
+        <p14:creationId xmlns:p14="http://schemas.microsoft.com/office/powerpoint/2010/main" val="2341411173"/>
+      </p:ext>
+    </p:extLst>
+  </p:cSld>
+  <p:clrMapOvr>
+    <a:masterClrMapping/>
+  </p:clrMapOvr>
+  <mc:AlternateContent xmlns:mc="http://schemas.openxmlformats.org/markup-compatibility/2006" xmlns:p14="http://schemas.microsoft.com/office/powerpoint/2010/main">
+    <mc:Choice Requires="p14">
+      <p:transition spd="med" p14:dur="700">
+        <p:fade/>
+      </p:transition>
+    </mc:Choice>
+    <mc:Fallback xmlns="">
+      <p:transition spd="med">
+        <p:fade/>
+      </p:transition>
+    </mc:Fallback>
+  </mc:AlternateContent>
+  <p:timing>
+    <p:tnLst>
+      <p:par>
+        <p:cTn id="1" dur="indefinite" restart="never" nodeType="tmRoot"/>
+      </p:par>
+    </p:tnLst>
+  </p:timing>
+</p:sld>
+</file>
+
+<file path=ppt/slides/slide5.xml><?xml version="1.0" encoding="utf-8"?>
+<p:sld xmlns:a="http://schemas.openxmlformats.org/drawingml/2006/main" xmlns:r="http://schemas.openxmlformats.org/officeDocument/2006/relationships" xmlns:p="http://schemas.openxmlformats.org/presentationml/2006/main">
+  <p:cSld>
+    <p:spTree>
+      <p:nvGrpSpPr>
+        <p:cNvPr id="1" name=""/>
+        <p:cNvGrpSpPr/>
+        <p:nvPr/>
+      </p:nvGrpSpPr>
+      <p:grpSpPr>
+        <a:xfrm>
+          <a:off x="0" y="0"/>
+          <a:ext cx="0" cy="0"/>
+          <a:chOff x="0" y="0"/>
+          <a:chExt cx="0" cy="0"/>
+        </a:xfrm>
+      </p:grpSpPr>
+      <p:sp>
+        <p:nvSpPr>
+          <p:cNvPr id="2" name="Title 1"/>
+          <p:cNvSpPr>
+            <a:spLocks noGrp="1"/>
+          </p:cNvSpPr>
+          <p:nvPr>
+            <p:ph type="title"/>
+          </p:nvPr>
+        </p:nvSpPr>
+        <p:spPr/>
+        <p:txBody>
+          <a:bodyPr/>
+          <a:lstStyle/>
+          <a:p>
+            <a:r>
+              <a:rPr lang="pt-PT" dirty="0" smtClean="0"/>
+              <a:t>Estudo do estado da arte</a:t>
+            </a:r>
+            <a:endParaRPr lang="pt-PT" dirty="0"/>
+          </a:p>
+        </p:txBody>
+      </p:sp>
+      <p:sp>
+        <p:nvSpPr>
+          <p:cNvPr id="3" name="Footer Placeholder 2"/>
+          <p:cNvSpPr>
+            <a:spLocks noGrp="1"/>
+          </p:cNvSpPr>
+          <p:nvPr>
+            <p:ph type="ftr" sz="quarter" idx="11"/>
+          </p:nvPr>
+        </p:nvSpPr>
+        <p:spPr/>
+        <p:txBody>
+          <a:bodyPr/>
+          <a:lstStyle/>
+          <a:p>
+            <a:r>
+              <a:rPr lang="pt-PT" smtClean="0"/>
+              <a:t>SharedPen – Projecto de Sistemas de Informação 2014/15</a:t>
+            </a:r>
+            <a:endParaRPr lang="pt-PT" dirty="0"/>
+          </a:p>
+        </p:txBody>
+      </p:sp>
+      <p:sp>
+        <p:nvSpPr>
+          <p:cNvPr id="4" name="Slide Number Placeholder 3"/>
+          <p:cNvSpPr>
+            <a:spLocks noGrp="1"/>
+          </p:cNvSpPr>
+          <p:nvPr>
+            <p:ph type="sldNum" sz="quarter" idx="12"/>
+          </p:nvPr>
+        </p:nvSpPr>
+        <p:spPr/>
+        <p:txBody>
+          <a:bodyPr/>
+          <a:lstStyle/>
+          <a:p>
+            <a:pPr rtl="0"/>
+            <a:r>
+              <a:rPr lang="pt-PT" dirty="0" smtClean="0"/>
+              <a:t>5</a:t>
+            </a:r>
+            <a:endParaRPr lang="pt-PT" dirty="0"/>
+          </a:p>
+        </p:txBody>
+      </p:sp>
+      <p:sp>
+        <p:nvSpPr>
+          <p:cNvPr id="5" name="Marcador de Posição de Conteúdo 3"/>
+          <p:cNvSpPr txBox="1">
+            <a:spLocks/>
+          </p:cNvSpPr>
+          <p:nvPr/>
+        </p:nvSpPr>
+        <p:spPr>
+          <a:xfrm>
+            <a:off x="781878" y="2375522"/>
+            <a:ext cx="9700592" cy="1728128"/>
+          </a:xfrm>
+          <a:prstGeom prst="rect">
+            <a:avLst/>
+          </a:prstGeom>
+        </p:spPr>
+        <p:txBody>
+          <a:bodyPr vert="horz" lIns="91440" tIns="45720" rIns="91440" bIns="45720" rtlCol="0">
+            <a:normAutofit/>
+          </a:bodyPr>
+          <a:lstStyle>
+            <a:lvl1pPr marL="228600" indent="-228600" algn="l" defTabSz="914400" rtl="0" eaLnBrk="1" latinLnBrk="0" hangingPunct="1">
+              <a:lnSpc>
+                <a:spcPct val="100000"/>
+              </a:lnSpc>
+              <a:spcBef>
+                <a:spcPts val="1500"/>
+              </a:spcBef>
+              <a:buFont typeface="Wingdings" panose="05000000000000000000" pitchFamily="2" charset="2"/>
+              <a:buChar char="§"/>
+              <a:defRPr sz="2200" kern="1200">
+                <a:solidFill>
+                  <a:schemeClr val="tx1"/>
+                </a:solidFill>
+                <a:latin typeface="+mn-lt"/>
+                <a:ea typeface="+mn-ea"/>
+                <a:cs typeface="+mn-cs"/>
+              </a:defRPr>
+            </a:lvl1pPr>
+            <a:lvl2pPr marL="685800" indent="-228600" algn="l" defTabSz="914400" rtl="0" eaLnBrk="1" latinLnBrk="0" hangingPunct="1">
+              <a:lnSpc>
+                <a:spcPct val="100000"/>
+              </a:lnSpc>
+              <a:spcBef>
+                <a:spcPts val="300"/>
+              </a:spcBef>
+              <a:buFont typeface="Wingdings" panose="05000000000000000000" pitchFamily="2" charset="2"/>
+              <a:buChar char="§"/>
+              <a:defRPr sz="2000" kern="1200">
+                <a:solidFill>
+                  <a:schemeClr val="tx1"/>
+                </a:solidFill>
+                <a:latin typeface="+mn-lt"/>
+                <a:ea typeface="+mn-ea"/>
+                <a:cs typeface="+mn-cs"/>
+              </a:defRPr>
+            </a:lvl2pPr>
+            <a:lvl3pPr marL="1143000" indent="-228600" algn="l" defTabSz="914400" rtl="0" eaLnBrk="1" latinLnBrk="0" hangingPunct="1">
+              <a:lnSpc>
+                <a:spcPct val="100000"/>
+              </a:lnSpc>
+              <a:spcBef>
+                <a:spcPts val="300"/>
+              </a:spcBef>
+              <a:buFont typeface="Wingdings" panose="05000000000000000000" pitchFamily="2" charset="2"/>
+              <a:buChar char="§"/>
+              <a:defRPr sz="1800" kern="1200">
+                <a:solidFill>
+                  <a:schemeClr val="tx1"/>
+                </a:solidFill>
+                <a:latin typeface="+mn-lt"/>
+                <a:ea typeface="+mn-ea"/>
+                <a:cs typeface="+mn-cs"/>
+              </a:defRPr>
+            </a:lvl3pPr>
+            <a:lvl4pPr marL="1600200" indent="-228600" algn="l" defTabSz="914400" rtl="0" eaLnBrk="1" latinLnBrk="0" hangingPunct="1">
+              <a:lnSpc>
+                <a:spcPct val="100000"/>
+              </a:lnSpc>
+              <a:spcBef>
+                <a:spcPts val="0"/>
+              </a:spcBef>
+              <a:buFont typeface="Wingdings" panose="05000000000000000000" pitchFamily="2" charset="2"/>
+              <a:buChar char="§"/>
+              <a:defRPr sz="1600" kern="1200">
+                <a:solidFill>
+                  <a:schemeClr val="tx1"/>
+                </a:solidFill>
+                <a:latin typeface="+mn-lt"/>
+                <a:ea typeface="+mn-ea"/>
+                <a:cs typeface="+mn-cs"/>
+              </a:defRPr>
+            </a:lvl4pPr>
+            <a:lvl5pPr marL="2057400" indent="-228600" algn="l" defTabSz="914400" rtl="0" eaLnBrk="1" latinLnBrk="0" hangingPunct="1">
+              <a:lnSpc>
+                <a:spcPct val="100000"/>
+              </a:lnSpc>
+              <a:spcBef>
+                <a:spcPts val="0"/>
+              </a:spcBef>
+              <a:buFont typeface="Wingdings" panose="05000000000000000000" pitchFamily="2" charset="2"/>
+              <a:buChar char="§"/>
+              <a:defRPr sz="1600" kern="1200">
+                <a:solidFill>
+                  <a:schemeClr val="tx1"/>
+                </a:solidFill>
+                <a:latin typeface="+mn-lt"/>
+                <a:ea typeface="+mn-ea"/>
+                <a:cs typeface="+mn-cs"/>
+              </a:defRPr>
+            </a:lvl5pPr>
+            <a:lvl6pPr marL="2514600" indent="-228600" algn="l" defTabSz="914400" rtl="0" eaLnBrk="1" latinLnBrk="0" hangingPunct="1">
+              <a:lnSpc>
+                <a:spcPct val="100000"/>
+              </a:lnSpc>
+              <a:spcBef>
+                <a:spcPts val="0"/>
+              </a:spcBef>
+              <a:buFont typeface="Wingdings" panose="05000000000000000000" pitchFamily="2" charset="2"/>
+              <a:buChar char="§"/>
+              <a:defRPr sz="1600" kern="1200">
+                <a:solidFill>
+                  <a:schemeClr val="tx1"/>
+                </a:solidFill>
+                <a:latin typeface="+mn-lt"/>
+                <a:ea typeface="+mn-ea"/>
+                <a:cs typeface="+mn-cs"/>
+              </a:defRPr>
+            </a:lvl6pPr>
+            <a:lvl7pPr marL="2971800" indent="-228600" algn="l" defTabSz="914400" rtl="0" eaLnBrk="1" latinLnBrk="0" hangingPunct="1">
+              <a:lnSpc>
+                <a:spcPct val="100000"/>
+              </a:lnSpc>
+              <a:spcBef>
+                <a:spcPts val="0"/>
+              </a:spcBef>
+              <a:buFont typeface="Wingdings" panose="05000000000000000000" pitchFamily="2" charset="2"/>
+              <a:buChar char="§"/>
+              <a:defRPr sz="1600" kern="1200">
+                <a:solidFill>
+                  <a:schemeClr val="tx1"/>
+                </a:solidFill>
+                <a:latin typeface="+mn-lt"/>
+                <a:ea typeface="+mn-ea"/>
+                <a:cs typeface="+mn-cs"/>
+              </a:defRPr>
+            </a:lvl7pPr>
+            <a:lvl8pPr marL="3429000" indent="-228600" algn="l" defTabSz="914400" rtl="0" eaLnBrk="1" latinLnBrk="0" hangingPunct="1">
+              <a:lnSpc>
+                <a:spcPct val="100000"/>
+              </a:lnSpc>
+              <a:spcBef>
+                <a:spcPts val="0"/>
+              </a:spcBef>
+              <a:buFont typeface="Wingdings" panose="05000000000000000000" pitchFamily="2" charset="2"/>
+              <a:buChar char="§"/>
+              <a:defRPr sz="1600" kern="1200">
+                <a:solidFill>
+                  <a:schemeClr val="tx1"/>
+                </a:solidFill>
+                <a:latin typeface="+mn-lt"/>
+                <a:ea typeface="+mn-ea"/>
+                <a:cs typeface="+mn-cs"/>
+              </a:defRPr>
+            </a:lvl8pPr>
+            <a:lvl9pPr marL="3886200" indent="-228600" algn="l" defTabSz="914400" rtl="0" eaLnBrk="1" latinLnBrk="0" hangingPunct="1">
+              <a:lnSpc>
+                <a:spcPct val="100000"/>
+              </a:lnSpc>
+              <a:spcBef>
+                <a:spcPts val="0"/>
+              </a:spcBef>
+              <a:buFont typeface="Wingdings" panose="05000000000000000000" pitchFamily="2" charset="2"/>
+              <a:buChar char="§"/>
+              <a:defRPr sz="1600" kern="1200">
+                <a:solidFill>
+                  <a:schemeClr val="tx1"/>
+                </a:solidFill>
+                <a:latin typeface="+mn-lt"/>
+                <a:ea typeface="+mn-ea"/>
+                <a:cs typeface="+mn-cs"/>
+              </a:defRPr>
+            </a:lvl9pPr>
+          </a:lstStyle>
+          <a:p>
+            <a:r>
+              <a:rPr lang="pt-PT" sz="2000" dirty="0" smtClean="0"/>
               <a:t>O projeto deve o seu inicio numa fase de pesquisa por software semelhante ao pretendido.</a:t>
             </a:r>
           </a:p>
@@ -5294,6 +5712,2863 @@
     <p:extLst>
       <p:ext uri="{BB962C8B-B14F-4D97-AF65-F5344CB8AC3E}">
         <p14:creationId xmlns:p14="http://schemas.microsoft.com/office/powerpoint/2010/main" val="4029862398"/>
+      </p:ext>
+    </p:extLst>
+  </p:cSld>
+  <p:clrMapOvr>
+    <a:masterClrMapping/>
+  </p:clrMapOvr>
+  <mc:AlternateContent xmlns:mc="http://schemas.openxmlformats.org/markup-compatibility/2006">
+    <mc:Choice xmlns:p14="http://schemas.microsoft.com/office/powerpoint/2010/main" Requires="p14">
+      <p:transition spd="med" p14:dur="700">
+        <p:fade/>
+      </p:transition>
+    </mc:Choice>
+    <mc:Fallback>
+      <p:transition spd="med">
+        <p:fade/>
+      </p:transition>
+    </mc:Fallback>
+  </mc:AlternateContent>
+  <p:timing>
+    <p:tnLst>
+      <p:par>
+        <p:cTn id="1" dur="indefinite" restart="never" nodeType="tmRoot"/>
+      </p:par>
+    </p:tnLst>
+  </p:timing>
+</p:sld>
+</file>
+
+<file path=ppt/slides/slide6.xml><?xml version="1.0" encoding="utf-8"?>
+<p:sld xmlns:a="http://schemas.openxmlformats.org/drawingml/2006/main" xmlns:r="http://schemas.openxmlformats.org/officeDocument/2006/relationships" xmlns:p="http://schemas.openxmlformats.org/presentationml/2006/main">
+  <p:cSld>
+    <p:spTree>
+      <p:nvGrpSpPr>
+        <p:cNvPr id="1" name=""/>
+        <p:cNvGrpSpPr/>
+        <p:nvPr/>
+      </p:nvGrpSpPr>
+      <p:grpSpPr>
+        <a:xfrm>
+          <a:off x="0" y="0"/>
+          <a:ext cx="0" cy="0"/>
+          <a:chOff x="0" y="0"/>
+          <a:chExt cx="0" cy="0"/>
+        </a:xfrm>
+      </p:grpSpPr>
+      <p:sp>
+        <p:nvSpPr>
+          <p:cNvPr id="5" name="Title 4"/>
+          <p:cNvSpPr>
+            <a:spLocks noGrp="1"/>
+          </p:cNvSpPr>
+          <p:nvPr>
+            <p:ph type="title"/>
+          </p:nvPr>
+        </p:nvSpPr>
+        <p:spPr/>
+        <p:txBody>
+          <a:bodyPr/>
+          <a:lstStyle/>
+          <a:p>
+            <a:r>
+              <a:rPr lang="pt-PT" dirty="0" smtClean="0"/>
+              <a:t>Projeto                                                                                          1/2</a:t>
+            </a:r>
+            <a:endParaRPr lang="pt-PT" dirty="0"/>
+          </a:p>
+        </p:txBody>
+      </p:sp>
+      <p:sp>
+        <p:nvSpPr>
+          <p:cNvPr id="6" name="Picture Placeholder 5"/>
+          <p:cNvSpPr>
+            <a:spLocks noGrp="1"/>
+          </p:cNvSpPr>
+          <p:nvPr>
+            <p:ph type="pic" idx="1"/>
+          </p:nvPr>
+        </p:nvSpPr>
+        <p:spPr>
+          <a:xfrm>
+            <a:off x="5518897" y="2465293"/>
+            <a:ext cx="5022428" cy="3711670"/>
+          </a:xfrm>
+        </p:spPr>
+      </p:sp>
+      <p:sp>
+        <p:nvSpPr>
+          <p:cNvPr id="3" name="Footer Placeholder 2"/>
+          <p:cNvSpPr>
+            <a:spLocks noGrp="1"/>
+          </p:cNvSpPr>
+          <p:nvPr>
+            <p:ph type="ftr" sz="quarter" idx="11"/>
+          </p:nvPr>
+        </p:nvSpPr>
+        <p:spPr/>
+        <p:txBody>
+          <a:bodyPr/>
+          <a:lstStyle/>
+          <a:p>
+            <a:r>
+              <a:rPr lang="pt-PT" smtClean="0"/>
+              <a:t>SharedPen – Projecto de Sistemas de Informação 2014/15</a:t>
+            </a:r>
+            <a:endParaRPr lang="pt-PT" dirty="0"/>
+          </a:p>
+        </p:txBody>
+      </p:sp>
+      <p:sp>
+        <p:nvSpPr>
+          <p:cNvPr id="4" name="Slide Number Placeholder 3"/>
+          <p:cNvSpPr>
+            <a:spLocks noGrp="1"/>
+          </p:cNvSpPr>
+          <p:nvPr>
+            <p:ph type="sldNum" sz="quarter" idx="12"/>
+          </p:nvPr>
+        </p:nvSpPr>
+        <p:spPr/>
+        <p:txBody>
+          <a:bodyPr/>
+          <a:lstStyle/>
+          <a:p>
+            <a:pPr rtl="0"/>
+            <a:r>
+              <a:rPr lang="pt-PT" dirty="0" smtClean="0"/>
+              <a:t>6</a:t>
+            </a:r>
+            <a:endParaRPr lang="pt-PT" dirty="0"/>
+          </a:p>
+        </p:txBody>
+      </p:sp>
+      <p:pic>
+        <p:nvPicPr>
+          <p:cNvPr id="2052" name="Picture 4" descr="http://images.clipartpanda.com/question-and-answer-cartoon-cartoon-man-with-questions.gif"/>
+          <p:cNvPicPr>
+            <a:picLocks noChangeAspect="1" noChangeArrowheads="1"/>
+          </p:cNvPicPr>
+          <p:nvPr/>
+        </p:nvPicPr>
+        <p:blipFill>
+          <a:blip r:embed="rId3">
+            <a:extLst>
+              <a:ext uri="{28A0092B-C50C-407E-A947-70E740481C1C}">
+                <a14:useLocalDpi xmlns:a14="http://schemas.microsoft.com/office/drawing/2010/main" val="0"/>
+              </a:ext>
+            </a:extLst>
+          </a:blip>
+          <a:srcRect/>
+          <a:stretch>
+            <a:fillRect/>
+          </a:stretch>
+        </p:blipFill>
+        <p:spPr bwMode="auto">
+          <a:xfrm>
+            <a:off x="5886361" y="2465293"/>
+            <a:ext cx="4654964" cy="3623114"/>
+          </a:xfrm>
+          <a:prstGeom prst="rect">
+            <a:avLst/>
+          </a:prstGeom>
+          <a:noFill/>
+          <a:extLst>
+            <a:ext uri="{909E8E84-426E-40DD-AFC4-6F175D3DCCD1}">
+              <a14:hiddenFill xmlns:a14="http://schemas.microsoft.com/office/drawing/2010/main">
+                <a:solidFill>
+                  <a:srgbClr val="FFFFFF"/>
+                </a:solidFill>
+              </a14:hiddenFill>
+            </a:ext>
+          </a:extLst>
+        </p:spPr>
+      </p:pic>
+      <p:sp>
+        <p:nvSpPr>
+          <p:cNvPr id="11" name="Marcador de Posição de Conteúdo 3"/>
+          <p:cNvSpPr txBox="1">
+            <a:spLocks/>
+          </p:cNvSpPr>
+          <p:nvPr/>
+        </p:nvSpPr>
+        <p:spPr>
+          <a:xfrm>
+            <a:off x="848140" y="2465293"/>
+            <a:ext cx="4227444" cy="3711670"/>
+          </a:xfrm>
+          <a:prstGeom prst="rect">
+            <a:avLst/>
+          </a:prstGeom>
+        </p:spPr>
+        <p:txBody>
+          <a:bodyPr vert="horz" lIns="91440" tIns="45720" rIns="91440" bIns="45720" rtlCol="0">
+            <a:normAutofit/>
+          </a:bodyPr>
+          <a:lstStyle>
+            <a:lvl1pPr marL="228600" indent="-228600" algn="l" defTabSz="914400" rtl="0" eaLnBrk="1" latinLnBrk="0" hangingPunct="1">
+              <a:lnSpc>
+                <a:spcPct val="100000"/>
+              </a:lnSpc>
+              <a:spcBef>
+                <a:spcPts val="1500"/>
+              </a:spcBef>
+              <a:buFont typeface="Wingdings" panose="05000000000000000000" pitchFamily="2" charset="2"/>
+              <a:buChar char="§"/>
+              <a:defRPr sz="2200" kern="1200">
+                <a:solidFill>
+                  <a:schemeClr val="tx1"/>
+                </a:solidFill>
+                <a:latin typeface="+mn-lt"/>
+                <a:ea typeface="+mn-ea"/>
+                <a:cs typeface="+mn-cs"/>
+              </a:defRPr>
+            </a:lvl1pPr>
+            <a:lvl2pPr marL="685800" indent="-228600" algn="l" defTabSz="914400" rtl="0" eaLnBrk="1" latinLnBrk="0" hangingPunct="1">
+              <a:lnSpc>
+                <a:spcPct val="100000"/>
+              </a:lnSpc>
+              <a:spcBef>
+                <a:spcPts val="300"/>
+              </a:spcBef>
+              <a:buFont typeface="Wingdings" panose="05000000000000000000" pitchFamily="2" charset="2"/>
+              <a:buChar char="§"/>
+              <a:defRPr sz="2000" kern="1200">
+                <a:solidFill>
+                  <a:schemeClr val="tx1"/>
+                </a:solidFill>
+                <a:latin typeface="+mn-lt"/>
+                <a:ea typeface="+mn-ea"/>
+                <a:cs typeface="+mn-cs"/>
+              </a:defRPr>
+            </a:lvl2pPr>
+            <a:lvl3pPr marL="1143000" indent="-228600" algn="l" defTabSz="914400" rtl="0" eaLnBrk="1" latinLnBrk="0" hangingPunct="1">
+              <a:lnSpc>
+                <a:spcPct val="100000"/>
+              </a:lnSpc>
+              <a:spcBef>
+                <a:spcPts val="300"/>
+              </a:spcBef>
+              <a:buFont typeface="Wingdings" panose="05000000000000000000" pitchFamily="2" charset="2"/>
+              <a:buChar char="§"/>
+              <a:defRPr sz="1800" kern="1200">
+                <a:solidFill>
+                  <a:schemeClr val="tx1"/>
+                </a:solidFill>
+                <a:latin typeface="+mn-lt"/>
+                <a:ea typeface="+mn-ea"/>
+                <a:cs typeface="+mn-cs"/>
+              </a:defRPr>
+            </a:lvl3pPr>
+            <a:lvl4pPr marL="1600200" indent="-228600" algn="l" defTabSz="914400" rtl="0" eaLnBrk="1" latinLnBrk="0" hangingPunct="1">
+              <a:lnSpc>
+                <a:spcPct val="100000"/>
+              </a:lnSpc>
+              <a:spcBef>
+                <a:spcPts val="0"/>
+              </a:spcBef>
+              <a:buFont typeface="Wingdings" panose="05000000000000000000" pitchFamily="2" charset="2"/>
+              <a:buChar char="§"/>
+              <a:defRPr sz="1600" kern="1200">
+                <a:solidFill>
+                  <a:schemeClr val="tx1"/>
+                </a:solidFill>
+                <a:latin typeface="+mn-lt"/>
+                <a:ea typeface="+mn-ea"/>
+                <a:cs typeface="+mn-cs"/>
+              </a:defRPr>
+            </a:lvl4pPr>
+            <a:lvl5pPr marL="2057400" indent="-228600" algn="l" defTabSz="914400" rtl="0" eaLnBrk="1" latinLnBrk="0" hangingPunct="1">
+              <a:lnSpc>
+                <a:spcPct val="100000"/>
+              </a:lnSpc>
+              <a:spcBef>
+                <a:spcPts val="0"/>
+              </a:spcBef>
+              <a:buFont typeface="Wingdings" panose="05000000000000000000" pitchFamily="2" charset="2"/>
+              <a:buChar char="§"/>
+              <a:defRPr sz="1600" kern="1200">
+                <a:solidFill>
+                  <a:schemeClr val="tx1"/>
+                </a:solidFill>
+                <a:latin typeface="+mn-lt"/>
+                <a:ea typeface="+mn-ea"/>
+                <a:cs typeface="+mn-cs"/>
+              </a:defRPr>
+            </a:lvl5pPr>
+            <a:lvl6pPr marL="2514600" indent="-228600" algn="l" defTabSz="914400" rtl="0" eaLnBrk="1" latinLnBrk="0" hangingPunct="1">
+              <a:lnSpc>
+                <a:spcPct val="100000"/>
+              </a:lnSpc>
+              <a:spcBef>
+                <a:spcPts val="0"/>
+              </a:spcBef>
+              <a:buFont typeface="Wingdings" panose="05000000000000000000" pitchFamily="2" charset="2"/>
+              <a:buChar char="§"/>
+              <a:defRPr sz="1600" kern="1200">
+                <a:solidFill>
+                  <a:schemeClr val="tx1"/>
+                </a:solidFill>
+                <a:latin typeface="+mn-lt"/>
+                <a:ea typeface="+mn-ea"/>
+                <a:cs typeface="+mn-cs"/>
+              </a:defRPr>
+            </a:lvl6pPr>
+            <a:lvl7pPr marL="2971800" indent="-228600" algn="l" defTabSz="914400" rtl="0" eaLnBrk="1" latinLnBrk="0" hangingPunct="1">
+              <a:lnSpc>
+                <a:spcPct val="100000"/>
+              </a:lnSpc>
+              <a:spcBef>
+                <a:spcPts val="0"/>
+              </a:spcBef>
+              <a:buFont typeface="Wingdings" panose="05000000000000000000" pitchFamily="2" charset="2"/>
+              <a:buChar char="§"/>
+              <a:defRPr sz="1600" kern="1200">
+                <a:solidFill>
+                  <a:schemeClr val="tx1"/>
+                </a:solidFill>
+                <a:latin typeface="+mn-lt"/>
+                <a:ea typeface="+mn-ea"/>
+                <a:cs typeface="+mn-cs"/>
+              </a:defRPr>
+            </a:lvl7pPr>
+            <a:lvl8pPr marL="3429000" indent="-228600" algn="l" defTabSz="914400" rtl="0" eaLnBrk="1" latinLnBrk="0" hangingPunct="1">
+              <a:lnSpc>
+                <a:spcPct val="100000"/>
+              </a:lnSpc>
+              <a:spcBef>
+                <a:spcPts val="0"/>
+              </a:spcBef>
+              <a:buFont typeface="Wingdings" panose="05000000000000000000" pitchFamily="2" charset="2"/>
+              <a:buChar char="§"/>
+              <a:defRPr sz="1600" kern="1200">
+                <a:solidFill>
+                  <a:schemeClr val="tx1"/>
+                </a:solidFill>
+                <a:latin typeface="+mn-lt"/>
+                <a:ea typeface="+mn-ea"/>
+                <a:cs typeface="+mn-cs"/>
+              </a:defRPr>
+            </a:lvl8pPr>
+            <a:lvl9pPr marL="3886200" indent="-228600" algn="l" defTabSz="914400" rtl="0" eaLnBrk="1" latinLnBrk="0" hangingPunct="1">
+              <a:lnSpc>
+                <a:spcPct val="100000"/>
+              </a:lnSpc>
+              <a:spcBef>
+                <a:spcPts val="0"/>
+              </a:spcBef>
+              <a:buFont typeface="Wingdings" panose="05000000000000000000" pitchFamily="2" charset="2"/>
+              <a:buChar char="§"/>
+              <a:defRPr sz="1600" kern="1200">
+                <a:solidFill>
+                  <a:schemeClr val="tx1"/>
+                </a:solidFill>
+                <a:latin typeface="+mn-lt"/>
+                <a:ea typeface="+mn-ea"/>
+                <a:cs typeface="+mn-cs"/>
+              </a:defRPr>
+            </a:lvl9pPr>
+          </a:lstStyle>
+          <a:p>
+            <a:r>
+              <a:rPr lang="pt-PT" sz="2000" dirty="0" smtClean="0"/>
+              <a:t>Mas como?</a:t>
+            </a:r>
+          </a:p>
+          <a:p>
+            <a:r>
+              <a:rPr lang="pt-PT" sz="2000" dirty="0" smtClean="0"/>
+              <a:t>Por onde começar ?</a:t>
+            </a:r>
+          </a:p>
+        </p:txBody>
+      </p:sp>
+    </p:spTree>
+    <p:extLst>
+      <p:ext uri="{BB962C8B-B14F-4D97-AF65-F5344CB8AC3E}">
+        <p14:creationId xmlns:p14="http://schemas.microsoft.com/office/powerpoint/2010/main" val="879403290"/>
+      </p:ext>
+    </p:extLst>
+  </p:cSld>
+  <p:clrMapOvr>
+    <a:masterClrMapping/>
+  </p:clrMapOvr>
+  <mc:AlternateContent xmlns:mc="http://schemas.openxmlformats.org/markup-compatibility/2006">
+    <mc:Choice xmlns:p14="http://schemas.microsoft.com/office/powerpoint/2010/main" Requires="p14">
+      <p:transition spd="med" p14:dur="700">
+        <p:fade/>
+      </p:transition>
+    </mc:Choice>
+    <mc:Fallback>
+      <p:transition spd="med">
+        <p:fade/>
+      </p:transition>
+    </mc:Fallback>
+  </mc:AlternateContent>
+  <p:timing>
+    <p:tnLst>
+      <p:par>
+        <p:cTn id="1" dur="indefinite" restart="never" nodeType="tmRoot"/>
+      </p:par>
+    </p:tnLst>
+  </p:timing>
+</p:sld>
+</file>
+
+<file path=ppt/slides/slide7.xml><?xml version="1.0" encoding="utf-8"?>
+<p:sld xmlns:a="http://schemas.openxmlformats.org/drawingml/2006/main" xmlns:r="http://schemas.openxmlformats.org/officeDocument/2006/relationships" xmlns:p="http://schemas.openxmlformats.org/presentationml/2006/main">
+  <p:cSld>
+    <p:spTree>
+      <p:nvGrpSpPr>
+        <p:cNvPr id="1" name=""/>
+        <p:cNvGrpSpPr/>
+        <p:nvPr/>
+      </p:nvGrpSpPr>
+      <p:grpSpPr>
+        <a:xfrm>
+          <a:off x="0" y="0"/>
+          <a:ext cx="0" cy="0"/>
+          <a:chOff x="0" y="0"/>
+          <a:chExt cx="0" cy="0"/>
+        </a:xfrm>
+      </p:grpSpPr>
+      <p:sp>
+        <p:nvSpPr>
+          <p:cNvPr id="7" name="Title 6"/>
+          <p:cNvSpPr>
+            <a:spLocks noGrp="1"/>
+          </p:cNvSpPr>
+          <p:nvPr>
+            <p:ph type="title"/>
+          </p:nvPr>
+        </p:nvSpPr>
+        <p:spPr/>
+        <p:txBody>
+          <a:bodyPr/>
+          <a:lstStyle/>
+          <a:p>
+            <a:r>
+              <a:rPr lang="pt-PT" dirty="0" smtClean="0"/>
+              <a:t>Projeto                                                                                          2/2</a:t>
+            </a:r>
+            <a:endParaRPr lang="pt-PT" dirty="0"/>
+          </a:p>
+        </p:txBody>
+      </p:sp>
+      <p:sp>
+        <p:nvSpPr>
+          <p:cNvPr id="5" name="Footer Placeholder 4"/>
+          <p:cNvSpPr>
+            <a:spLocks noGrp="1"/>
+          </p:cNvSpPr>
+          <p:nvPr>
+            <p:ph type="ftr" sz="quarter" idx="11"/>
+          </p:nvPr>
+        </p:nvSpPr>
+        <p:spPr/>
+        <p:txBody>
+          <a:bodyPr/>
+          <a:lstStyle/>
+          <a:p>
+            <a:r>
+              <a:rPr lang="pt-PT" smtClean="0"/>
+              <a:t>SharedPen – Projecto de Sistemas de Informação 2014/15</a:t>
+            </a:r>
+            <a:endParaRPr lang="pt-PT" dirty="0"/>
+          </a:p>
+        </p:txBody>
+      </p:sp>
+      <p:sp>
+        <p:nvSpPr>
+          <p:cNvPr id="6" name="Slide Number Placeholder 5"/>
+          <p:cNvSpPr>
+            <a:spLocks noGrp="1"/>
+          </p:cNvSpPr>
+          <p:nvPr>
+            <p:ph type="sldNum" sz="quarter" idx="12"/>
+          </p:nvPr>
+        </p:nvSpPr>
+        <p:spPr/>
+        <p:txBody>
+          <a:bodyPr/>
+          <a:lstStyle/>
+          <a:p>
+            <a:pPr rtl="0"/>
+            <a:r>
+              <a:rPr lang="pt-PT" smtClean="0"/>
+              <a:t>‹#›</a:t>
+            </a:r>
+            <a:endParaRPr lang="pt-PT" dirty="0"/>
+          </a:p>
+        </p:txBody>
+      </p:sp>
+      <p:sp>
+        <p:nvSpPr>
+          <p:cNvPr id="8" name="Marcador de Posição de Conteúdo 3"/>
+          <p:cNvSpPr txBox="1">
+            <a:spLocks/>
+          </p:cNvSpPr>
+          <p:nvPr/>
+        </p:nvSpPr>
+        <p:spPr>
+          <a:xfrm>
+            <a:off x="781878" y="2375522"/>
+            <a:ext cx="9700592" cy="1728128"/>
+          </a:xfrm>
+          <a:prstGeom prst="rect">
+            <a:avLst/>
+          </a:prstGeom>
+        </p:spPr>
+        <p:txBody>
+          <a:bodyPr vert="horz" lIns="91440" tIns="45720" rIns="91440" bIns="45720" rtlCol="0">
+            <a:normAutofit/>
+          </a:bodyPr>
+          <a:lstStyle>
+            <a:lvl1pPr marL="228600" indent="-228600" algn="l" defTabSz="914400" rtl="0" eaLnBrk="1" latinLnBrk="0" hangingPunct="1">
+              <a:lnSpc>
+                <a:spcPct val="100000"/>
+              </a:lnSpc>
+              <a:spcBef>
+                <a:spcPts val="1500"/>
+              </a:spcBef>
+              <a:buFont typeface="Wingdings" panose="05000000000000000000" pitchFamily="2" charset="2"/>
+              <a:buChar char="§"/>
+              <a:defRPr sz="2200" kern="1200">
+                <a:solidFill>
+                  <a:schemeClr val="tx1"/>
+                </a:solidFill>
+                <a:latin typeface="+mn-lt"/>
+                <a:ea typeface="+mn-ea"/>
+                <a:cs typeface="+mn-cs"/>
+              </a:defRPr>
+            </a:lvl1pPr>
+            <a:lvl2pPr marL="685800" indent="-228600" algn="l" defTabSz="914400" rtl="0" eaLnBrk="1" latinLnBrk="0" hangingPunct="1">
+              <a:lnSpc>
+                <a:spcPct val="100000"/>
+              </a:lnSpc>
+              <a:spcBef>
+                <a:spcPts val="300"/>
+              </a:spcBef>
+              <a:buFont typeface="Wingdings" panose="05000000000000000000" pitchFamily="2" charset="2"/>
+              <a:buChar char="§"/>
+              <a:defRPr sz="2000" kern="1200">
+                <a:solidFill>
+                  <a:schemeClr val="tx1"/>
+                </a:solidFill>
+                <a:latin typeface="+mn-lt"/>
+                <a:ea typeface="+mn-ea"/>
+                <a:cs typeface="+mn-cs"/>
+              </a:defRPr>
+            </a:lvl2pPr>
+            <a:lvl3pPr marL="1143000" indent="-228600" algn="l" defTabSz="914400" rtl="0" eaLnBrk="1" latinLnBrk="0" hangingPunct="1">
+              <a:lnSpc>
+                <a:spcPct val="100000"/>
+              </a:lnSpc>
+              <a:spcBef>
+                <a:spcPts val="300"/>
+              </a:spcBef>
+              <a:buFont typeface="Wingdings" panose="05000000000000000000" pitchFamily="2" charset="2"/>
+              <a:buChar char="§"/>
+              <a:defRPr sz="1800" kern="1200">
+                <a:solidFill>
+                  <a:schemeClr val="tx1"/>
+                </a:solidFill>
+                <a:latin typeface="+mn-lt"/>
+                <a:ea typeface="+mn-ea"/>
+                <a:cs typeface="+mn-cs"/>
+              </a:defRPr>
+            </a:lvl3pPr>
+            <a:lvl4pPr marL="1600200" indent="-228600" algn="l" defTabSz="914400" rtl="0" eaLnBrk="1" latinLnBrk="0" hangingPunct="1">
+              <a:lnSpc>
+                <a:spcPct val="100000"/>
+              </a:lnSpc>
+              <a:spcBef>
+                <a:spcPts val="0"/>
+              </a:spcBef>
+              <a:buFont typeface="Wingdings" panose="05000000000000000000" pitchFamily="2" charset="2"/>
+              <a:buChar char="§"/>
+              <a:defRPr sz="1600" kern="1200">
+                <a:solidFill>
+                  <a:schemeClr val="tx1"/>
+                </a:solidFill>
+                <a:latin typeface="+mn-lt"/>
+                <a:ea typeface="+mn-ea"/>
+                <a:cs typeface="+mn-cs"/>
+              </a:defRPr>
+            </a:lvl4pPr>
+            <a:lvl5pPr marL="2057400" indent="-228600" algn="l" defTabSz="914400" rtl="0" eaLnBrk="1" latinLnBrk="0" hangingPunct="1">
+              <a:lnSpc>
+                <a:spcPct val="100000"/>
+              </a:lnSpc>
+              <a:spcBef>
+                <a:spcPts val="0"/>
+              </a:spcBef>
+              <a:buFont typeface="Wingdings" panose="05000000000000000000" pitchFamily="2" charset="2"/>
+              <a:buChar char="§"/>
+              <a:defRPr sz="1600" kern="1200">
+                <a:solidFill>
+                  <a:schemeClr val="tx1"/>
+                </a:solidFill>
+                <a:latin typeface="+mn-lt"/>
+                <a:ea typeface="+mn-ea"/>
+                <a:cs typeface="+mn-cs"/>
+              </a:defRPr>
+            </a:lvl5pPr>
+            <a:lvl6pPr marL="2514600" indent="-228600" algn="l" defTabSz="914400" rtl="0" eaLnBrk="1" latinLnBrk="0" hangingPunct="1">
+              <a:lnSpc>
+                <a:spcPct val="100000"/>
+              </a:lnSpc>
+              <a:spcBef>
+                <a:spcPts val="0"/>
+              </a:spcBef>
+              <a:buFont typeface="Wingdings" panose="05000000000000000000" pitchFamily="2" charset="2"/>
+              <a:buChar char="§"/>
+              <a:defRPr sz="1600" kern="1200">
+                <a:solidFill>
+                  <a:schemeClr val="tx1"/>
+                </a:solidFill>
+                <a:latin typeface="+mn-lt"/>
+                <a:ea typeface="+mn-ea"/>
+                <a:cs typeface="+mn-cs"/>
+              </a:defRPr>
+            </a:lvl6pPr>
+            <a:lvl7pPr marL="2971800" indent="-228600" algn="l" defTabSz="914400" rtl="0" eaLnBrk="1" latinLnBrk="0" hangingPunct="1">
+              <a:lnSpc>
+                <a:spcPct val="100000"/>
+              </a:lnSpc>
+              <a:spcBef>
+                <a:spcPts val="0"/>
+              </a:spcBef>
+              <a:buFont typeface="Wingdings" panose="05000000000000000000" pitchFamily="2" charset="2"/>
+              <a:buChar char="§"/>
+              <a:defRPr sz="1600" kern="1200">
+                <a:solidFill>
+                  <a:schemeClr val="tx1"/>
+                </a:solidFill>
+                <a:latin typeface="+mn-lt"/>
+                <a:ea typeface="+mn-ea"/>
+                <a:cs typeface="+mn-cs"/>
+              </a:defRPr>
+            </a:lvl7pPr>
+            <a:lvl8pPr marL="3429000" indent="-228600" algn="l" defTabSz="914400" rtl="0" eaLnBrk="1" latinLnBrk="0" hangingPunct="1">
+              <a:lnSpc>
+                <a:spcPct val="100000"/>
+              </a:lnSpc>
+              <a:spcBef>
+                <a:spcPts val="0"/>
+              </a:spcBef>
+              <a:buFont typeface="Wingdings" panose="05000000000000000000" pitchFamily="2" charset="2"/>
+              <a:buChar char="§"/>
+              <a:defRPr sz="1600" kern="1200">
+                <a:solidFill>
+                  <a:schemeClr val="tx1"/>
+                </a:solidFill>
+                <a:latin typeface="+mn-lt"/>
+                <a:ea typeface="+mn-ea"/>
+                <a:cs typeface="+mn-cs"/>
+              </a:defRPr>
+            </a:lvl8pPr>
+            <a:lvl9pPr marL="3886200" indent="-228600" algn="l" defTabSz="914400" rtl="0" eaLnBrk="1" latinLnBrk="0" hangingPunct="1">
+              <a:lnSpc>
+                <a:spcPct val="100000"/>
+              </a:lnSpc>
+              <a:spcBef>
+                <a:spcPts val="0"/>
+              </a:spcBef>
+              <a:buFont typeface="Wingdings" panose="05000000000000000000" pitchFamily="2" charset="2"/>
+              <a:buChar char="§"/>
+              <a:defRPr sz="1600" kern="1200">
+                <a:solidFill>
+                  <a:schemeClr val="tx1"/>
+                </a:solidFill>
+                <a:latin typeface="+mn-lt"/>
+                <a:ea typeface="+mn-ea"/>
+                <a:cs typeface="+mn-cs"/>
+              </a:defRPr>
+            </a:lvl9pPr>
+          </a:lstStyle>
+          <a:p>
+            <a:r>
+              <a:rPr lang="pt-PT" sz="2000" dirty="0" smtClean="0"/>
+              <a:t>Foi necessário saber que tipo de tecnologias iriam ser necessárias, de modo a dar suporte ao nosso projeto.</a:t>
+            </a:r>
+          </a:p>
+          <a:p>
+            <a:r>
+              <a:rPr lang="pt-PT" sz="2000" dirty="0" smtClean="0"/>
+              <a:t>Ao conseguir estipular esta nossa topologia, pois a partir dessa mesma é mais fácil o desenvolvimento consequente do projeto.</a:t>
+            </a:r>
+          </a:p>
+        </p:txBody>
+      </p:sp>
+    </p:spTree>
+    <p:extLst>
+      <p:ext uri="{BB962C8B-B14F-4D97-AF65-F5344CB8AC3E}">
+        <p14:creationId xmlns:p14="http://schemas.microsoft.com/office/powerpoint/2010/main" val="1080500752"/>
+      </p:ext>
+    </p:extLst>
+  </p:cSld>
+  <p:clrMapOvr>
+    <a:masterClrMapping/>
+  </p:clrMapOvr>
+  <mc:AlternateContent xmlns:mc="http://schemas.openxmlformats.org/markup-compatibility/2006">
+    <mc:Choice xmlns:p14="http://schemas.microsoft.com/office/powerpoint/2010/main" Requires="p14">
+      <p:transition spd="med" p14:dur="700">
+        <p:fade/>
+      </p:transition>
+    </mc:Choice>
+    <mc:Fallback>
+      <p:transition spd="med">
+        <p:fade/>
+      </p:transition>
+    </mc:Fallback>
+  </mc:AlternateContent>
+</p:sld>
+</file>
+
+<file path=ppt/slides/slide8.xml><?xml version="1.0" encoding="utf-8"?>
+<p:sld xmlns:a="http://schemas.openxmlformats.org/drawingml/2006/main" xmlns:r="http://schemas.openxmlformats.org/officeDocument/2006/relationships" xmlns:p="http://schemas.openxmlformats.org/presentationml/2006/main">
+  <p:cSld>
+    <p:spTree>
+      <p:nvGrpSpPr>
+        <p:cNvPr id="1" name=""/>
+        <p:cNvGrpSpPr/>
+        <p:nvPr/>
+      </p:nvGrpSpPr>
+      <p:grpSpPr>
+        <a:xfrm>
+          <a:off x="0" y="0"/>
+          <a:ext cx="0" cy="0"/>
+          <a:chOff x="0" y="0"/>
+          <a:chExt cx="0" cy="0"/>
+        </a:xfrm>
+      </p:grpSpPr>
+      <p:sp>
+        <p:nvSpPr>
+          <p:cNvPr id="2" name="Title 1"/>
+          <p:cNvSpPr>
+            <a:spLocks noGrp="1"/>
+          </p:cNvSpPr>
+          <p:nvPr>
+            <p:ph type="title"/>
+          </p:nvPr>
+        </p:nvSpPr>
+        <p:spPr/>
+        <p:txBody>
+          <a:bodyPr/>
+          <a:lstStyle/>
+          <a:p>
+            <a:r>
+              <a:rPr lang="pt-PT" dirty="0" smtClean="0"/>
+              <a:t>Estrutura</a:t>
+            </a:r>
+            <a:endParaRPr lang="pt-PT" dirty="0"/>
+          </a:p>
+        </p:txBody>
+      </p:sp>
+      <p:sp>
+        <p:nvSpPr>
+          <p:cNvPr id="3" name="Footer Placeholder 2"/>
+          <p:cNvSpPr>
+            <a:spLocks noGrp="1"/>
+          </p:cNvSpPr>
+          <p:nvPr>
+            <p:ph type="ftr" sz="quarter" idx="11"/>
+          </p:nvPr>
+        </p:nvSpPr>
+        <p:spPr/>
+        <p:txBody>
+          <a:bodyPr/>
+          <a:lstStyle/>
+          <a:p>
+            <a:r>
+              <a:rPr lang="pt-PT" smtClean="0"/>
+              <a:t>SharedPen – Projecto de Sistemas de Informação 2014/15</a:t>
+            </a:r>
+            <a:endParaRPr lang="pt-PT" dirty="0"/>
+          </a:p>
+        </p:txBody>
+      </p:sp>
+      <p:sp>
+        <p:nvSpPr>
+          <p:cNvPr id="4" name="Slide Number Placeholder 3"/>
+          <p:cNvSpPr>
+            <a:spLocks noGrp="1"/>
+          </p:cNvSpPr>
+          <p:nvPr>
+            <p:ph type="sldNum" sz="quarter" idx="12"/>
+          </p:nvPr>
+        </p:nvSpPr>
+        <p:spPr/>
+        <p:txBody>
+          <a:bodyPr/>
+          <a:lstStyle/>
+          <a:p>
+            <a:pPr rtl="0"/>
+            <a:r>
+              <a:rPr lang="pt-PT" smtClean="0"/>
+              <a:t>‹#›</a:t>
+            </a:r>
+            <a:endParaRPr lang="pt-PT" dirty="0"/>
+          </a:p>
+        </p:txBody>
+      </p:sp>
+      <p:grpSp>
+        <p:nvGrpSpPr>
+          <p:cNvPr id="5" name="Grupo 1"/>
+          <p:cNvGrpSpPr/>
+          <p:nvPr/>
+        </p:nvGrpSpPr>
+        <p:grpSpPr>
+          <a:xfrm>
+            <a:off x="1142718" y="1933898"/>
+            <a:ext cx="9903515" cy="4351390"/>
+            <a:chOff x="48868" y="245461"/>
+            <a:chExt cx="12304701" cy="6338372"/>
+          </a:xfrm>
+        </p:grpSpPr>
+        <p:grpSp>
+          <p:nvGrpSpPr>
+            <p:cNvPr id="6" name="Grupo 77"/>
+            <p:cNvGrpSpPr/>
+            <p:nvPr/>
+          </p:nvGrpSpPr>
+          <p:grpSpPr>
+            <a:xfrm>
+              <a:off x="48868" y="245461"/>
+              <a:ext cx="12304701" cy="6338372"/>
+              <a:chOff x="46317" y="269267"/>
+              <a:chExt cx="12304701" cy="6338372"/>
+            </a:xfrm>
+          </p:grpSpPr>
+          <p:pic>
+            <p:nvPicPr>
+              <p:cNvPr id="8" name="Imagem 7"/>
+              <p:cNvPicPr>
+                <a:picLocks noChangeAspect="1"/>
+              </p:cNvPicPr>
+              <p:nvPr/>
+            </p:nvPicPr>
+            <p:blipFill>
+              <a:blip r:embed="rId2" cstate="print">
+                <a:extLst>
+                  <a:ext uri="{28A0092B-C50C-407E-A947-70E740481C1C}">
+                    <a14:useLocalDpi xmlns:a14="http://schemas.microsoft.com/office/drawing/2010/main" val="0"/>
+                  </a:ext>
+                </a:extLst>
+              </a:blip>
+              <a:stretch>
+                <a:fillRect/>
+              </a:stretch>
+            </p:blipFill>
+            <p:spPr>
+              <a:xfrm>
+                <a:off x="843152" y="5190459"/>
+                <a:ext cx="1345708" cy="1030308"/>
+              </a:xfrm>
+              <a:prstGeom prst="rect">
+                <a:avLst/>
+              </a:prstGeom>
+            </p:spPr>
+          </p:pic>
+          <p:pic>
+            <p:nvPicPr>
+              <p:cNvPr id="9" name="Imagem 8"/>
+              <p:cNvPicPr>
+                <a:picLocks noChangeAspect="1"/>
+              </p:cNvPicPr>
+              <p:nvPr/>
+            </p:nvPicPr>
+            <p:blipFill>
+              <a:blip r:embed="rId2" cstate="print">
+                <a:extLst>
+                  <a:ext uri="{28A0092B-C50C-407E-A947-70E740481C1C}">
+                    <a14:useLocalDpi xmlns:a14="http://schemas.microsoft.com/office/drawing/2010/main" val="0"/>
+                  </a:ext>
+                </a:extLst>
+              </a:blip>
+              <a:stretch>
+                <a:fillRect/>
+              </a:stretch>
+            </p:blipFill>
+            <p:spPr>
+              <a:xfrm>
+                <a:off x="4415753" y="5261566"/>
+                <a:ext cx="1345708" cy="1030308"/>
+              </a:xfrm>
+              <a:prstGeom prst="rect">
+                <a:avLst/>
+              </a:prstGeom>
+            </p:spPr>
+          </p:pic>
+          <p:pic>
+            <p:nvPicPr>
+              <p:cNvPr id="10" name="Imagem 9"/>
+              <p:cNvPicPr>
+                <a:picLocks noChangeAspect="1"/>
+              </p:cNvPicPr>
+              <p:nvPr/>
+            </p:nvPicPr>
+            <p:blipFill>
+              <a:blip r:embed="rId2" cstate="print">
+                <a:extLst>
+                  <a:ext uri="{28A0092B-C50C-407E-A947-70E740481C1C}">
+                    <a14:useLocalDpi xmlns:a14="http://schemas.microsoft.com/office/drawing/2010/main" val="0"/>
+                  </a:ext>
+                </a:extLst>
+              </a:blip>
+              <a:stretch>
+                <a:fillRect/>
+              </a:stretch>
+            </p:blipFill>
+            <p:spPr>
+              <a:xfrm>
+                <a:off x="358435" y="1028876"/>
+                <a:ext cx="1345708" cy="1030308"/>
+              </a:xfrm>
+              <a:prstGeom prst="rect">
+                <a:avLst/>
+              </a:prstGeom>
+            </p:spPr>
+          </p:pic>
+          <p:pic>
+            <p:nvPicPr>
+              <p:cNvPr id="11" name="Imagem 10"/>
+              <p:cNvPicPr>
+                <a:picLocks noChangeAspect="1"/>
+              </p:cNvPicPr>
+              <p:nvPr/>
+            </p:nvPicPr>
+            <p:blipFill>
+              <a:blip r:embed="rId3">
+                <a:extLst>
+                  <a:ext uri="{28A0092B-C50C-407E-A947-70E740481C1C}">
+                    <a14:useLocalDpi xmlns:a14="http://schemas.microsoft.com/office/drawing/2010/main" val="0"/>
+                  </a:ext>
+                </a:extLst>
+              </a:blip>
+              <a:stretch>
+                <a:fillRect/>
+              </a:stretch>
+            </p:blipFill>
+            <p:spPr>
+              <a:xfrm>
+                <a:off x="7001509" y="1815008"/>
+                <a:ext cx="3565886" cy="4603452"/>
+              </a:xfrm>
+              <a:prstGeom prst="rect">
+                <a:avLst/>
+              </a:prstGeom>
+            </p:spPr>
+          </p:pic>
+          <p:pic>
+            <p:nvPicPr>
+              <p:cNvPr id="12" name="Imagem 12"/>
+              <p:cNvPicPr>
+                <a:picLocks noChangeAspect="1"/>
+              </p:cNvPicPr>
+              <p:nvPr/>
+            </p:nvPicPr>
+            <p:blipFill>
+              <a:blip r:embed="rId4" cstate="print">
+                <a:extLst>
+                  <a:ext uri="{28A0092B-C50C-407E-A947-70E740481C1C}">
+                    <a14:useLocalDpi xmlns:a14="http://schemas.microsoft.com/office/drawing/2010/main" val="0"/>
+                  </a:ext>
+                </a:extLst>
+              </a:blip>
+              <a:stretch>
+                <a:fillRect/>
+              </a:stretch>
+            </p:blipFill>
+            <p:spPr>
+              <a:xfrm>
+                <a:off x="10418464" y="3734821"/>
+                <a:ext cx="1932554" cy="1932554"/>
+              </a:xfrm>
+              <a:prstGeom prst="rect">
+                <a:avLst/>
+              </a:prstGeom>
+            </p:spPr>
+          </p:pic>
+          <p:pic>
+            <p:nvPicPr>
+              <p:cNvPr id="13" name="Imagem 13"/>
+              <p:cNvPicPr>
+                <a:picLocks noChangeAspect="1"/>
+              </p:cNvPicPr>
+              <p:nvPr/>
+            </p:nvPicPr>
+            <p:blipFill>
+              <a:blip r:embed="rId5">
+                <a:extLst>
+                  <a:ext uri="{28A0092B-C50C-407E-A947-70E740481C1C}">
+                    <a14:useLocalDpi xmlns:a14="http://schemas.microsoft.com/office/drawing/2010/main" val="0"/>
+                  </a:ext>
+                </a:extLst>
+              </a:blip>
+              <a:stretch>
+                <a:fillRect/>
+              </a:stretch>
+            </p:blipFill>
+            <p:spPr>
+              <a:xfrm>
+                <a:off x="2170233" y="1958002"/>
+                <a:ext cx="2854280" cy="2854280"/>
+              </a:xfrm>
+              <a:prstGeom prst="rect">
+                <a:avLst/>
+              </a:prstGeom>
+            </p:spPr>
+          </p:pic>
+          <p:pic>
+            <p:nvPicPr>
+              <p:cNvPr id="14" name="Imagem 14"/>
+              <p:cNvPicPr>
+                <a:picLocks noChangeAspect="1"/>
+              </p:cNvPicPr>
+              <p:nvPr/>
+            </p:nvPicPr>
+            <p:blipFill>
+              <a:blip r:embed="rId6" cstate="print">
+                <a:extLst>
+                  <a:ext uri="{28A0092B-C50C-407E-A947-70E740481C1C}">
+                    <a14:useLocalDpi xmlns:a14="http://schemas.microsoft.com/office/drawing/2010/main" val="0"/>
+                  </a:ext>
+                </a:extLst>
+              </a:blip>
+              <a:stretch>
+                <a:fillRect/>
+              </a:stretch>
+            </p:blipFill>
+            <p:spPr>
+              <a:xfrm>
+                <a:off x="5024513" y="378128"/>
+                <a:ext cx="1524000" cy="1301496"/>
+              </a:xfrm>
+              <a:prstGeom prst="rect">
+                <a:avLst/>
+              </a:prstGeom>
+            </p:spPr>
+          </p:pic>
+          <p:pic>
+            <p:nvPicPr>
+              <p:cNvPr id="16" name="Imagem 18"/>
+              <p:cNvPicPr>
+                <a:picLocks noChangeAspect="1"/>
+              </p:cNvPicPr>
+              <p:nvPr/>
+            </p:nvPicPr>
+            <p:blipFill>
+              <a:blip r:embed="rId7" cstate="print">
+                <a:extLst>
+                  <a:ext uri="{28A0092B-C50C-407E-A947-70E740481C1C}">
+                    <a14:useLocalDpi xmlns:a14="http://schemas.microsoft.com/office/drawing/2010/main" val="0"/>
+                  </a:ext>
+                </a:extLst>
+              </a:blip>
+              <a:stretch>
+                <a:fillRect/>
+              </a:stretch>
+            </p:blipFill>
+            <p:spPr>
+              <a:xfrm>
+                <a:off x="8110138" y="5182828"/>
+                <a:ext cx="1711618" cy="855809"/>
+              </a:xfrm>
+              <a:prstGeom prst="rect">
+                <a:avLst/>
+              </a:prstGeom>
+            </p:spPr>
+          </p:pic>
+          <p:grpSp>
+            <p:nvGrpSpPr>
+              <p:cNvPr id="17" name="Grupo 21"/>
+              <p:cNvGrpSpPr/>
+              <p:nvPr/>
+            </p:nvGrpSpPr>
+            <p:grpSpPr>
+              <a:xfrm>
+                <a:off x="1752104" y="5685009"/>
+                <a:ext cx="643585" cy="741936"/>
+                <a:chOff x="5954042" y="2711937"/>
+                <a:chExt cx="948386" cy="1046736"/>
+              </a:xfrm>
+            </p:grpSpPr>
+            <p:pic>
+              <p:nvPicPr>
+                <p:cNvPr id="62" name="Imagem 19"/>
+                <p:cNvPicPr>
+                  <a:picLocks noChangeAspect="1"/>
+                </p:cNvPicPr>
+                <p:nvPr/>
+              </p:nvPicPr>
+              <p:blipFill>
+                <a:blip r:embed="rId8" cstate="print">
+                  <a:extLst>
+                    <a:ext uri="{28A0092B-C50C-407E-A947-70E740481C1C}">
+                      <a14:useLocalDpi xmlns:a14="http://schemas.microsoft.com/office/drawing/2010/main" val="0"/>
+                    </a:ext>
+                  </a:extLst>
+                </a:blip>
+                <a:stretch>
+                  <a:fillRect/>
+                </a:stretch>
+              </p:blipFill>
+              <p:spPr>
+                <a:xfrm>
+                  <a:off x="5954042" y="2711937"/>
+                  <a:ext cx="948386" cy="1046736"/>
+                </a:xfrm>
+                <a:prstGeom prst="rect">
+                  <a:avLst/>
+                </a:prstGeom>
+              </p:spPr>
+            </p:pic>
+            <p:pic>
+              <p:nvPicPr>
+                <p:cNvPr id="63" name="Imagem 20"/>
+                <p:cNvPicPr>
+                  <a:picLocks noChangeAspect="1"/>
+                </p:cNvPicPr>
+                <p:nvPr/>
+              </p:nvPicPr>
+              <p:blipFill>
+                <a:blip r:embed="rId9" cstate="print">
+                  <a:extLst>
+                    <a:ext uri="{28A0092B-C50C-407E-A947-70E740481C1C}">
+                      <a14:useLocalDpi xmlns:a14="http://schemas.microsoft.com/office/drawing/2010/main" val="0"/>
+                    </a:ext>
+                  </a:extLst>
+                </a:blip>
+                <a:stretch>
+                  <a:fillRect/>
+                </a:stretch>
+              </p:blipFill>
+              <p:spPr>
+                <a:xfrm>
+                  <a:off x="6292822" y="3149073"/>
+                  <a:ext cx="609601" cy="609600"/>
+                </a:xfrm>
+                <a:prstGeom prst="rect">
+                  <a:avLst/>
+                </a:prstGeom>
+              </p:spPr>
+            </p:pic>
+          </p:grpSp>
+          <p:grpSp>
+            <p:nvGrpSpPr>
+              <p:cNvPr id="18" name="Grupo 22"/>
+              <p:cNvGrpSpPr/>
+              <p:nvPr/>
+            </p:nvGrpSpPr>
+            <p:grpSpPr>
+              <a:xfrm>
+                <a:off x="5584729" y="5815624"/>
+                <a:ext cx="643585" cy="741936"/>
+                <a:chOff x="5584891" y="2781928"/>
+                <a:chExt cx="948385" cy="1046736"/>
+              </a:xfrm>
+            </p:grpSpPr>
+            <p:pic>
+              <p:nvPicPr>
+                <p:cNvPr id="60" name="Imagem 23"/>
+                <p:cNvPicPr>
+                  <a:picLocks noChangeAspect="1"/>
+                </p:cNvPicPr>
+                <p:nvPr/>
+              </p:nvPicPr>
+              <p:blipFill>
+                <a:blip r:embed="rId8" cstate="print">
+                  <a:extLst>
+                    <a:ext uri="{28A0092B-C50C-407E-A947-70E740481C1C}">
+                      <a14:useLocalDpi xmlns:a14="http://schemas.microsoft.com/office/drawing/2010/main" val="0"/>
+                    </a:ext>
+                  </a:extLst>
+                </a:blip>
+                <a:stretch>
+                  <a:fillRect/>
+                </a:stretch>
+              </p:blipFill>
+              <p:spPr>
+                <a:xfrm>
+                  <a:off x="5584891" y="2781928"/>
+                  <a:ext cx="948385" cy="1046736"/>
+                </a:xfrm>
+                <a:prstGeom prst="rect">
+                  <a:avLst/>
+                </a:prstGeom>
+              </p:spPr>
+            </p:pic>
+            <p:pic>
+              <p:nvPicPr>
+                <p:cNvPr id="61" name="Imagem 24"/>
+                <p:cNvPicPr>
+                  <a:picLocks noChangeAspect="1"/>
+                </p:cNvPicPr>
+                <p:nvPr/>
+              </p:nvPicPr>
+              <p:blipFill>
+                <a:blip r:embed="rId9" cstate="print">
+                  <a:extLst>
+                    <a:ext uri="{28A0092B-C50C-407E-A947-70E740481C1C}">
+                      <a14:useLocalDpi xmlns:a14="http://schemas.microsoft.com/office/drawing/2010/main" val="0"/>
+                    </a:ext>
+                  </a:extLst>
+                </a:blip>
+                <a:stretch>
+                  <a:fillRect/>
+                </a:stretch>
+              </p:blipFill>
+              <p:spPr>
+                <a:xfrm>
+                  <a:off x="5923675" y="3219064"/>
+                  <a:ext cx="609601" cy="609600"/>
+                </a:xfrm>
+                <a:prstGeom prst="rect">
+                  <a:avLst/>
+                </a:prstGeom>
+              </p:spPr>
+            </p:pic>
+          </p:grpSp>
+          <p:grpSp>
+            <p:nvGrpSpPr>
+              <p:cNvPr id="19" name="Grupo 25"/>
+              <p:cNvGrpSpPr/>
+              <p:nvPr/>
+            </p:nvGrpSpPr>
+            <p:grpSpPr>
+              <a:xfrm>
+                <a:off x="79138" y="1577315"/>
+                <a:ext cx="643585" cy="741936"/>
+                <a:chOff x="5621807" y="2905632"/>
+                <a:chExt cx="948385" cy="1046736"/>
+              </a:xfrm>
+            </p:grpSpPr>
+            <p:pic>
+              <p:nvPicPr>
+                <p:cNvPr id="58" name="Imagem 26"/>
+                <p:cNvPicPr>
+                  <a:picLocks noChangeAspect="1"/>
+                </p:cNvPicPr>
+                <p:nvPr/>
+              </p:nvPicPr>
+              <p:blipFill>
+                <a:blip r:embed="rId8" cstate="print">
+                  <a:extLst>
+                    <a:ext uri="{28A0092B-C50C-407E-A947-70E740481C1C}">
+                      <a14:useLocalDpi xmlns:a14="http://schemas.microsoft.com/office/drawing/2010/main" val="0"/>
+                    </a:ext>
+                  </a:extLst>
+                </a:blip>
+                <a:stretch>
+                  <a:fillRect/>
+                </a:stretch>
+              </p:blipFill>
+              <p:spPr>
+                <a:xfrm>
+                  <a:off x="5621807" y="2905632"/>
+                  <a:ext cx="948385" cy="1046736"/>
+                </a:xfrm>
+                <a:prstGeom prst="rect">
+                  <a:avLst/>
+                </a:prstGeom>
+              </p:spPr>
+            </p:pic>
+            <p:pic>
+              <p:nvPicPr>
+                <p:cNvPr id="59" name="Imagem 27"/>
+                <p:cNvPicPr>
+                  <a:picLocks noChangeAspect="1"/>
+                </p:cNvPicPr>
+                <p:nvPr/>
+              </p:nvPicPr>
+              <p:blipFill>
+                <a:blip r:embed="rId9" cstate="print">
+                  <a:extLst>
+                    <a:ext uri="{28A0092B-C50C-407E-A947-70E740481C1C}">
+                      <a14:useLocalDpi xmlns:a14="http://schemas.microsoft.com/office/drawing/2010/main" val="0"/>
+                    </a:ext>
+                  </a:extLst>
+                </a:blip>
+                <a:stretch>
+                  <a:fillRect/>
+                </a:stretch>
+              </p:blipFill>
+              <p:spPr>
+                <a:xfrm>
+                  <a:off x="5960592" y="3342768"/>
+                  <a:ext cx="609600" cy="609600"/>
+                </a:xfrm>
+                <a:prstGeom prst="rect">
+                  <a:avLst/>
+                </a:prstGeom>
+              </p:spPr>
+            </p:pic>
+          </p:grpSp>
+          <p:grpSp>
+            <p:nvGrpSpPr>
+              <p:cNvPr id="20" name="Grupo 32"/>
+              <p:cNvGrpSpPr/>
+              <p:nvPr/>
+            </p:nvGrpSpPr>
+            <p:grpSpPr>
+              <a:xfrm>
+                <a:off x="1290038" y="1226052"/>
+                <a:ext cx="745210" cy="761062"/>
+                <a:chOff x="1290038" y="1226052"/>
+                <a:chExt cx="745210" cy="761062"/>
+              </a:xfrm>
+            </p:grpSpPr>
+            <p:sp>
+              <p:nvSpPr>
+                <p:cNvPr id="55" name="Arco 29"/>
+                <p:cNvSpPr/>
+                <p:nvPr/>
+              </p:nvSpPr>
+              <p:spPr>
+                <a:xfrm rot="5696525">
+                  <a:off x="1396023" y="1328581"/>
+                  <a:ext cx="436744" cy="308796"/>
+                </a:xfrm>
+                <a:prstGeom prst="arc">
+                  <a:avLst/>
+                </a:prstGeom>
+              </p:spPr>
+              <p:style>
+                <a:lnRef idx="1">
+                  <a:schemeClr val="accent1"/>
+                </a:lnRef>
+                <a:fillRef idx="0">
+                  <a:schemeClr val="accent1"/>
+                </a:fillRef>
+                <a:effectRef idx="0">
+                  <a:schemeClr val="accent1"/>
+                </a:effectRef>
+                <a:fontRef idx="minor">
+                  <a:schemeClr val="tx1"/>
+                </a:fontRef>
+              </p:style>
+              <p:txBody>
+                <a:bodyPr rtlCol="0" anchor="ctr"/>
+                <a:lstStyle/>
+                <a:p>
+                  <a:pPr algn="ctr"/>
+                  <a:endParaRPr lang="pt-PT"/>
+                </a:p>
+              </p:txBody>
+            </p:sp>
+            <p:sp>
+              <p:nvSpPr>
+                <p:cNvPr id="56" name="Arco 30"/>
+                <p:cNvSpPr/>
+                <p:nvPr/>
+              </p:nvSpPr>
+              <p:spPr>
+                <a:xfrm rot="5686170">
+                  <a:off x="1334441" y="1257714"/>
+                  <a:ext cx="599652" cy="536328"/>
+                </a:xfrm>
+                <a:prstGeom prst="arc">
+                  <a:avLst/>
+                </a:prstGeom>
+              </p:spPr>
+              <p:style>
+                <a:lnRef idx="1">
+                  <a:schemeClr val="accent1"/>
+                </a:lnRef>
+                <a:fillRef idx="0">
+                  <a:schemeClr val="accent1"/>
+                </a:fillRef>
+                <a:effectRef idx="0">
+                  <a:schemeClr val="accent1"/>
+                </a:effectRef>
+                <a:fontRef idx="minor">
+                  <a:schemeClr val="tx1"/>
+                </a:fontRef>
+              </p:style>
+              <p:txBody>
+                <a:bodyPr rtlCol="0" anchor="ctr"/>
+                <a:lstStyle/>
+                <a:p>
+                  <a:pPr algn="ctr"/>
+                  <a:endParaRPr lang="pt-PT"/>
+                </a:p>
+              </p:txBody>
+            </p:sp>
+            <p:sp>
+              <p:nvSpPr>
+                <p:cNvPr id="57" name="Arco 31"/>
+                <p:cNvSpPr/>
+                <p:nvPr/>
+              </p:nvSpPr>
+              <p:spPr>
+                <a:xfrm rot="5400000">
+                  <a:off x="1296129" y="1247996"/>
+                  <a:ext cx="733027" cy="745210"/>
+                </a:xfrm>
+                <a:prstGeom prst="arc">
+                  <a:avLst/>
+                </a:prstGeom>
+              </p:spPr>
+              <p:style>
+                <a:lnRef idx="1">
+                  <a:schemeClr val="accent1"/>
+                </a:lnRef>
+                <a:fillRef idx="0">
+                  <a:schemeClr val="accent1"/>
+                </a:fillRef>
+                <a:effectRef idx="0">
+                  <a:schemeClr val="accent1"/>
+                </a:effectRef>
+                <a:fontRef idx="minor">
+                  <a:schemeClr val="tx1"/>
+                </a:fontRef>
+              </p:style>
+              <p:txBody>
+                <a:bodyPr rtlCol="0" anchor="ctr"/>
+                <a:lstStyle/>
+                <a:p>
+                  <a:pPr algn="ctr"/>
+                  <a:endParaRPr lang="pt-PT"/>
+                </a:p>
+              </p:txBody>
+            </p:sp>
+          </p:grpSp>
+          <p:grpSp>
+            <p:nvGrpSpPr>
+              <p:cNvPr id="21" name="Grupo 33"/>
+              <p:cNvGrpSpPr/>
+              <p:nvPr/>
+            </p:nvGrpSpPr>
+            <p:grpSpPr>
+              <a:xfrm rot="10800000">
+                <a:off x="2071813" y="1995952"/>
+                <a:ext cx="745210" cy="761062"/>
+                <a:chOff x="1290038" y="1226052"/>
+                <a:chExt cx="745210" cy="761062"/>
+              </a:xfrm>
+            </p:grpSpPr>
+            <p:sp>
+              <p:nvSpPr>
+                <p:cNvPr id="52" name="Arco 34"/>
+                <p:cNvSpPr/>
+                <p:nvPr/>
+              </p:nvSpPr>
+              <p:spPr>
+                <a:xfrm rot="5696525">
+                  <a:off x="1396023" y="1328581"/>
+                  <a:ext cx="436744" cy="308796"/>
+                </a:xfrm>
+                <a:prstGeom prst="arc">
+                  <a:avLst/>
+                </a:prstGeom>
+              </p:spPr>
+              <p:style>
+                <a:lnRef idx="1">
+                  <a:schemeClr val="accent1"/>
+                </a:lnRef>
+                <a:fillRef idx="0">
+                  <a:schemeClr val="accent1"/>
+                </a:fillRef>
+                <a:effectRef idx="0">
+                  <a:schemeClr val="accent1"/>
+                </a:effectRef>
+                <a:fontRef idx="minor">
+                  <a:schemeClr val="tx1"/>
+                </a:fontRef>
+              </p:style>
+              <p:txBody>
+                <a:bodyPr rtlCol="0" anchor="ctr"/>
+                <a:lstStyle/>
+                <a:p>
+                  <a:pPr algn="ctr"/>
+                  <a:endParaRPr lang="pt-PT"/>
+                </a:p>
+              </p:txBody>
+            </p:sp>
+            <p:sp>
+              <p:nvSpPr>
+                <p:cNvPr id="53" name="Arco 35"/>
+                <p:cNvSpPr/>
+                <p:nvPr/>
+              </p:nvSpPr>
+              <p:spPr>
+                <a:xfrm rot="5686170">
+                  <a:off x="1334441" y="1257714"/>
+                  <a:ext cx="599652" cy="536328"/>
+                </a:xfrm>
+                <a:prstGeom prst="arc">
+                  <a:avLst/>
+                </a:prstGeom>
+              </p:spPr>
+              <p:style>
+                <a:lnRef idx="1">
+                  <a:schemeClr val="accent1"/>
+                </a:lnRef>
+                <a:fillRef idx="0">
+                  <a:schemeClr val="accent1"/>
+                </a:fillRef>
+                <a:effectRef idx="0">
+                  <a:schemeClr val="accent1"/>
+                </a:effectRef>
+                <a:fontRef idx="minor">
+                  <a:schemeClr val="tx1"/>
+                </a:fontRef>
+              </p:style>
+              <p:txBody>
+                <a:bodyPr rtlCol="0" anchor="ctr"/>
+                <a:lstStyle/>
+                <a:p>
+                  <a:pPr algn="ctr"/>
+                  <a:endParaRPr lang="pt-PT"/>
+                </a:p>
+              </p:txBody>
+            </p:sp>
+            <p:sp>
+              <p:nvSpPr>
+                <p:cNvPr id="54" name="Arco 36"/>
+                <p:cNvSpPr/>
+                <p:nvPr/>
+              </p:nvSpPr>
+              <p:spPr>
+                <a:xfrm rot="5400000">
+                  <a:off x="1296129" y="1247996"/>
+                  <a:ext cx="733027" cy="745210"/>
+                </a:xfrm>
+                <a:prstGeom prst="arc">
+                  <a:avLst/>
+                </a:prstGeom>
+              </p:spPr>
+              <p:style>
+                <a:lnRef idx="1">
+                  <a:schemeClr val="accent1"/>
+                </a:lnRef>
+                <a:fillRef idx="0">
+                  <a:schemeClr val="accent1"/>
+                </a:fillRef>
+                <a:effectRef idx="0">
+                  <a:schemeClr val="accent1"/>
+                </a:effectRef>
+                <a:fontRef idx="minor">
+                  <a:schemeClr val="tx1"/>
+                </a:fontRef>
+              </p:style>
+              <p:txBody>
+                <a:bodyPr rtlCol="0" anchor="ctr"/>
+                <a:lstStyle/>
+                <a:p>
+                  <a:pPr algn="ctr"/>
+                  <a:endParaRPr lang="pt-PT"/>
+                </a:p>
+              </p:txBody>
+            </p:sp>
+          </p:grpSp>
+          <p:grpSp>
+            <p:nvGrpSpPr>
+              <p:cNvPr id="22" name="Grupo 41"/>
+              <p:cNvGrpSpPr/>
+              <p:nvPr/>
+            </p:nvGrpSpPr>
+            <p:grpSpPr>
+              <a:xfrm rot="11834819">
+                <a:off x="4430195" y="4973561"/>
+                <a:ext cx="745210" cy="761061"/>
+                <a:chOff x="1339958" y="1302364"/>
+                <a:chExt cx="745210" cy="761061"/>
+              </a:xfrm>
+            </p:grpSpPr>
+            <p:sp>
+              <p:nvSpPr>
+                <p:cNvPr id="49" name="Arco 42"/>
+                <p:cNvSpPr/>
+                <p:nvPr/>
+              </p:nvSpPr>
+              <p:spPr>
+                <a:xfrm rot="5696525">
+                  <a:off x="1445947" y="1404894"/>
+                  <a:ext cx="436744" cy="308796"/>
+                </a:xfrm>
+                <a:prstGeom prst="arc">
+                  <a:avLst/>
+                </a:prstGeom>
+              </p:spPr>
+              <p:style>
+                <a:lnRef idx="1">
+                  <a:schemeClr val="accent1"/>
+                </a:lnRef>
+                <a:fillRef idx="0">
+                  <a:schemeClr val="accent1"/>
+                </a:fillRef>
+                <a:effectRef idx="0">
+                  <a:schemeClr val="accent1"/>
+                </a:effectRef>
+                <a:fontRef idx="minor">
+                  <a:schemeClr val="tx1"/>
+                </a:fontRef>
+              </p:style>
+              <p:txBody>
+                <a:bodyPr rtlCol="0" anchor="ctr"/>
+                <a:lstStyle/>
+                <a:p>
+                  <a:pPr algn="ctr"/>
+                  <a:endParaRPr lang="pt-PT"/>
+                </a:p>
+              </p:txBody>
+            </p:sp>
+            <p:sp>
+              <p:nvSpPr>
+                <p:cNvPr id="50" name="Arco 43"/>
+                <p:cNvSpPr/>
+                <p:nvPr/>
+              </p:nvSpPr>
+              <p:spPr>
+                <a:xfrm rot="5686170">
+                  <a:off x="1384365" y="1334026"/>
+                  <a:ext cx="599652" cy="536328"/>
+                </a:xfrm>
+                <a:prstGeom prst="arc">
+                  <a:avLst/>
+                </a:prstGeom>
+              </p:spPr>
+              <p:style>
+                <a:lnRef idx="1">
+                  <a:schemeClr val="accent1"/>
+                </a:lnRef>
+                <a:fillRef idx="0">
+                  <a:schemeClr val="accent1"/>
+                </a:fillRef>
+                <a:effectRef idx="0">
+                  <a:schemeClr val="accent1"/>
+                </a:effectRef>
+                <a:fontRef idx="minor">
+                  <a:schemeClr val="tx1"/>
+                </a:fontRef>
+              </p:style>
+              <p:txBody>
+                <a:bodyPr rtlCol="0" anchor="ctr"/>
+                <a:lstStyle/>
+                <a:p>
+                  <a:pPr algn="ctr"/>
+                  <a:endParaRPr lang="pt-PT"/>
+                </a:p>
+              </p:txBody>
+            </p:sp>
+            <p:sp>
+              <p:nvSpPr>
+                <p:cNvPr id="51" name="Arco 44"/>
+                <p:cNvSpPr/>
+                <p:nvPr/>
+              </p:nvSpPr>
+              <p:spPr>
+                <a:xfrm rot="5400000">
+                  <a:off x="1346049" y="1324307"/>
+                  <a:ext cx="733027" cy="745210"/>
+                </a:xfrm>
+                <a:prstGeom prst="arc">
+                  <a:avLst/>
+                </a:prstGeom>
+              </p:spPr>
+              <p:style>
+                <a:lnRef idx="1">
+                  <a:schemeClr val="accent1"/>
+                </a:lnRef>
+                <a:fillRef idx="0">
+                  <a:schemeClr val="accent1"/>
+                </a:fillRef>
+                <a:effectRef idx="0">
+                  <a:schemeClr val="accent1"/>
+                </a:effectRef>
+                <a:fontRef idx="minor">
+                  <a:schemeClr val="tx1"/>
+                </a:fontRef>
+              </p:style>
+              <p:txBody>
+                <a:bodyPr rtlCol="0" anchor="ctr"/>
+                <a:lstStyle/>
+                <a:p>
+                  <a:pPr algn="ctr"/>
+                  <a:endParaRPr lang="pt-PT"/>
+                </a:p>
+              </p:txBody>
+            </p:sp>
+          </p:grpSp>
+          <p:grpSp>
+            <p:nvGrpSpPr>
+              <p:cNvPr id="23" name="Grupo 45"/>
+              <p:cNvGrpSpPr/>
+              <p:nvPr/>
+            </p:nvGrpSpPr>
+            <p:grpSpPr>
+              <a:xfrm rot="924072">
+                <a:off x="3935812" y="4121522"/>
+                <a:ext cx="745210" cy="761062"/>
+                <a:chOff x="1290038" y="1226052"/>
+                <a:chExt cx="745210" cy="761062"/>
+              </a:xfrm>
+            </p:grpSpPr>
+            <p:sp>
+              <p:nvSpPr>
+                <p:cNvPr id="46" name="Arco 46"/>
+                <p:cNvSpPr/>
+                <p:nvPr/>
+              </p:nvSpPr>
+              <p:spPr>
+                <a:xfrm rot="5696525">
+                  <a:off x="1396023" y="1328581"/>
+                  <a:ext cx="436744" cy="308796"/>
+                </a:xfrm>
+                <a:prstGeom prst="arc">
+                  <a:avLst/>
+                </a:prstGeom>
+              </p:spPr>
+              <p:style>
+                <a:lnRef idx="1">
+                  <a:schemeClr val="accent1"/>
+                </a:lnRef>
+                <a:fillRef idx="0">
+                  <a:schemeClr val="accent1"/>
+                </a:fillRef>
+                <a:effectRef idx="0">
+                  <a:schemeClr val="accent1"/>
+                </a:effectRef>
+                <a:fontRef idx="minor">
+                  <a:schemeClr val="tx1"/>
+                </a:fontRef>
+              </p:style>
+              <p:txBody>
+                <a:bodyPr rtlCol="0" anchor="ctr"/>
+                <a:lstStyle/>
+                <a:p>
+                  <a:pPr algn="ctr"/>
+                  <a:endParaRPr lang="pt-PT"/>
+                </a:p>
+              </p:txBody>
+            </p:sp>
+            <p:sp>
+              <p:nvSpPr>
+                <p:cNvPr id="47" name="Arco 47"/>
+                <p:cNvSpPr/>
+                <p:nvPr/>
+              </p:nvSpPr>
+              <p:spPr>
+                <a:xfrm rot="5686170">
+                  <a:off x="1334441" y="1257714"/>
+                  <a:ext cx="599652" cy="536328"/>
+                </a:xfrm>
+                <a:prstGeom prst="arc">
+                  <a:avLst/>
+                </a:prstGeom>
+              </p:spPr>
+              <p:style>
+                <a:lnRef idx="1">
+                  <a:schemeClr val="accent1"/>
+                </a:lnRef>
+                <a:fillRef idx="0">
+                  <a:schemeClr val="accent1"/>
+                </a:fillRef>
+                <a:effectRef idx="0">
+                  <a:schemeClr val="accent1"/>
+                </a:effectRef>
+                <a:fontRef idx="minor">
+                  <a:schemeClr val="tx1"/>
+                </a:fontRef>
+              </p:style>
+              <p:txBody>
+                <a:bodyPr rtlCol="0" anchor="ctr"/>
+                <a:lstStyle/>
+                <a:p>
+                  <a:pPr algn="ctr"/>
+                  <a:endParaRPr lang="pt-PT"/>
+                </a:p>
+              </p:txBody>
+            </p:sp>
+            <p:sp>
+              <p:nvSpPr>
+                <p:cNvPr id="48" name="Arco 48"/>
+                <p:cNvSpPr/>
+                <p:nvPr/>
+              </p:nvSpPr>
+              <p:spPr>
+                <a:xfrm rot="5400000">
+                  <a:off x="1296129" y="1247996"/>
+                  <a:ext cx="733027" cy="745210"/>
+                </a:xfrm>
+                <a:prstGeom prst="arc">
+                  <a:avLst/>
+                </a:prstGeom>
+              </p:spPr>
+              <p:style>
+                <a:lnRef idx="1">
+                  <a:schemeClr val="accent1"/>
+                </a:lnRef>
+                <a:fillRef idx="0">
+                  <a:schemeClr val="accent1"/>
+                </a:fillRef>
+                <a:effectRef idx="0">
+                  <a:schemeClr val="accent1"/>
+                </a:effectRef>
+                <a:fontRef idx="minor">
+                  <a:schemeClr val="tx1"/>
+                </a:fontRef>
+              </p:style>
+              <p:txBody>
+                <a:bodyPr rtlCol="0" anchor="ctr"/>
+                <a:lstStyle/>
+                <a:p>
+                  <a:pPr algn="ctr"/>
+                  <a:endParaRPr lang="pt-PT"/>
+                </a:p>
+              </p:txBody>
+            </p:sp>
+          </p:grpSp>
+          <p:grpSp>
+            <p:nvGrpSpPr>
+              <p:cNvPr id="24" name="Grupo 49"/>
+              <p:cNvGrpSpPr/>
+              <p:nvPr/>
+            </p:nvGrpSpPr>
+            <p:grpSpPr>
+              <a:xfrm rot="16200000">
+                <a:off x="1475190" y="4801270"/>
+                <a:ext cx="745210" cy="736007"/>
+                <a:chOff x="1427330" y="1476583"/>
+                <a:chExt cx="745210" cy="736007"/>
+              </a:xfrm>
+            </p:grpSpPr>
+            <p:sp>
+              <p:nvSpPr>
+                <p:cNvPr id="43" name="Arco 50"/>
+                <p:cNvSpPr/>
+                <p:nvPr/>
+              </p:nvSpPr>
+              <p:spPr>
+                <a:xfrm rot="5696525">
+                  <a:off x="1533809" y="1579112"/>
+                  <a:ext cx="436744" cy="308796"/>
+                </a:xfrm>
+                <a:prstGeom prst="arc">
+                  <a:avLst/>
+                </a:prstGeom>
+              </p:spPr>
+              <p:style>
+                <a:lnRef idx="1">
+                  <a:schemeClr val="accent1"/>
+                </a:lnRef>
+                <a:fillRef idx="0">
+                  <a:schemeClr val="accent1"/>
+                </a:fillRef>
+                <a:effectRef idx="0">
+                  <a:schemeClr val="accent1"/>
+                </a:effectRef>
+                <a:fontRef idx="minor">
+                  <a:schemeClr val="tx1"/>
+                </a:fontRef>
+              </p:style>
+              <p:txBody>
+                <a:bodyPr rtlCol="0" anchor="ctr"/>
+                <a:lstStyle/>
+                <a:p>
+                  <a:pPr algn="ctr"/>
+                  <a:endParaRPr lang="pt-PT"/>
+                </a:p>
+              </p:txBody>
+            </p:sp>
+            <p:sp>
+              <p:nvSpPr>
+                <p:cNvPr id="44" name="Arco 51"/>
+                <p:cNvSpPr/>
+                <p:nvPr/>
+              </p:nvSpPr>
+              <p:spPr>
+                <a:xfrm rot="5686170">
+                  <a:off x="1472227" y="1508245"/>
+                  <a:ext cx="599652" cy="536328"/>
+                </a:xfrm>
+                <a:prstGeom prst="arc">
+                  <a:avLst/>
+                </a:prstGeom>
+              </p:spPr>
+              <p:style>
+                <a:lnRef idx="1">
+                  <a:schemeClr val="accent1"/>
+                </a:lnRef>
+                <a:fillRef idx="0">
+                  <a:schemeClr val="accent1"/>
+                </a:fillRef>
+                <a:effectRef idx="0">
+                  <a:schemeClr val="accent1"/>
+                </a:effectRef>
+                <a:fontRef idx="minor">
+                  <a:schemeClr val="tx1"/>
+                </a:fontRef>
+              </p:style>
+              <p:txBody>
+                <a:bodyPr rtlCol="0" anchor="ctr"/>
+                <a:lstStyle/>
+                <a:p>
+                  <a:pPr algn="ctr"/>
+                  <a:endParaRPr lang="pt-PT"/>
+                </a:p>
+              </p:txBody>
+            </p:sp>
+            <p:sp>
+              <p:nvSpPr>
+                <p:cNvPr id="45" name="Arco 52"/>
+                <p:cNvSpPr/>
+                <p:nvPr/>
+              </p:nvSpPr>
+              <p:spPr>
+                <a:xfrm rot="5400000">
+                  <a:off x="1433421" y="1473472"/>
+                  <a:ext cx="733027" cy="745210"/>
+                </a:xfrm>
+                <a:prstGeom prst="arc">
+                  <a:avLst/>
+                </a:prstGeom>
+              </p:spPr>
+              <p:style>
+                <a:lnRef idx="1">
+                  <a:schemeClr val="accent1"/>
+                </a:lnRef>
+                <a:fillRef idx="0">
+                  <a:schemeClr val="accent1"/>
+                </a:fillRef>
+                <a:effectRef idx="0">
+                  <a:schemeClr val="accent1"/>
+                </a:effectRef>
+                <a:fontRef idx="minor">
+                  <a:schemeClr val="tx1"/>
+                </a:fontRef>
+              </p:style>
+              <p:txBody>
+                <a:bodyPr rtlCol="0" anchor="ctr"/>
+                <a:lstStyle/>
+                <a:p>
+                  <a:pPr algn="ctr"/>
+                  <a:endParaRPr lang="pt-PT"/>
+                </a:p>
+              </p:txBody>
+            </p:sp>
+          </p:grpSp>
+          <p:grpSp>
+            <p:nvGrpSpPr>
+              <p:cNvPr id="25" name="Grupo 53"/>
+              <p:cNvGrpSpPr/>
+              <p:nvPr/>
+            </p:nvGrpSpPr>
+            <p:grpSpPr>
+              <a:xfrm rot="5183792">
+                <a:off x="2263978" y="4025770"/>
+                <a:ext cx="745210" cy="761062"/>
+                <a:chOff x="1290038" y="1226052"/>
+                <a:chExt cx="745210" cy="761062"/>
+              </a:xfrm>
+            </p:grpSpPr>
+            <p:sp>
+              <p:nvSpPr>
+                <p:cNvPr id="40" name="Arco 54"/>
+                <p:cNvSpPr/>
+                <p:nvPr/>
+              </p:nvSpPr>
+              <p:spPr>
+                <a:xfrm rot="5696525">
+                  <a:off x="1396023" y="1328581"/>
+                  <a:ext cx="436744" cy="308796"/>
+                </a:xfrm>
+                <a:prstGeom prst="arc">
+                  <a:avLst/>
+                </a:prstGeom>
+              </p:spPr>
+              <p:style>
+                <a:lnRef idx="1">
+                  <a:schemeClr val="accent1"/>
+                </a:lnRef>
+                <a:fillRef idx="0">
+                  <a:schemeClr val="accent1"/>
+                </a:fillRef>
+                <a:effectRef idx="0">
+                  <a:schemeClr val="accent1"/>
+                </a:effectRef>
+                <a:fontRef idx="minor">
+                  <a:schemeClr val="tx1"/>
+                </a:fontRef>
+              </p:style>
+              <p:txBody>
+                <a:bodyPr rtlCol="0" anchor="ctr"/>
+                <a:lstStyle/>
+                <a:p>
+                  <a:pPr algn="ctr"/>
+                  <a:endParaRPr lang="pt-PT"/>
+                </a:p>
+              </p:txBody>
+            </p:sp>
+            <p:sp>
+              <p:nvSpPr>
+                <p:cNvPr id="41" name="Arco 55"/>
+                <p:cNvSpPr/>
+                <p:nvPr/>
+              </p:nvSpPr>
+              <p:spPr>
+                <a:xfrm rot="5686170">
+                  <a:off x="1334441" y="1257714"/>
+                  <a:ext cx="599652" cy="536328"/>
+                </a:xfrm>
+                <a:prstGeom prst="arc">
+                  <a:avLst/>
+                </a:prstGeom>
+              </p:spPr>
+              <p:style>
+                <a:lnRef idx="1">
+                  <a:schemeClr val="accent1"/>
+                </a:lnRef>
+                <a:fillRef idx="0">
+                  <a:schemeClr val="accent1"/>
+                </a:fillRef>
+                <a:effectRef idx="0">
+                  <a:schemeClr val="accent1"/>
+                </a:effectRef>
+                <a:fontRef idx="minor">
+                  <a:schemeClr val="tx1"/>
+                </a:fontRef>
+              </p:style>
+              <p:txBody>
+                <a:bodyPr rtlCol="0" anchor="ctr"/>
+                <a:lstStyle/>
+                <a:p>
+                  <a:pPr algn="ctr"/>
+                  <a:endParaRPr lang="pt-PT"/>
+                </a:p>
+              </p:txBody>
+            </p:sp>
+            <p:sp>
+              <p:nvSpPr>
+                <p:cNvPr id="42" name="Arco 56"/>
+                <p:cNvSpPr/>
+                <p:nvPr/>
+              </p:nvSpPr>
+              <p:spPr>
+                <a:xfrm rot="5400000">
+                  <a:off x="1296129" y="1247996"/>
+                  <a:ext cx="733027" cy="745210"/>
+                </a:xfrm>
+                <a:prstGeom prst="arc">
+                  <a:avLst/>
+                </a:prstGeom>
+              </p:spPr>
+              <p:style>
+                <a:lnRef idx="1">
+                  <a:schemeClr val="accent1"/>
+                </a:lnRef>
+                <a:fillRef idx="0">
+                  <a:schemeClr val="accent1"/>
+                </a:fillRef>
+                <a:effectRef idx="0">
+                  <a:schemeClr val="accent1"/>
+                </a:effectRef>
+                <a:fontRef idx="minor">
+                  <a:schemeClr val="tx1"/>
+                </a:fontRef>
+              </p:style>
+              <p:txBody>
+                <a:bodyPr rtlCol="0" anchor="ctr"/>
+                <a:lstStyle/>
+                <a:p>
+                  <a:pPr algn="ctr"/>
+                  <a:endParaRPr lang="pt-PT"/>
+                </a:p>
+              </p:txBody>
+            </p:sp>
+          </p:grpSp>
+          <p:sp>
+            <p:nvSpPr>
+              <p:cNvPr id="26" name="Forma livre 58"/>
+              <p:cNvSpPr/>
+              <p:nvPr/>
+            </p:nvSpPr>
+            <p:spPr>
+              <a:xfrm>
+                <a:off x="4857008" y="3296564"/>
+                <a:ext cx="2921330" cy="1477317"/>
+              </a:xfrm>
+              <a:custGeom>
+                <a:avLst/>
+                <a:gdLst>
+                  <a:gd name="connsiteX0" fmla="*/ 0 w 2921330"/>
+                  <a:gd name="connsiteY0" fmla="*/ 135405 h 1477317"/>
+                  <a:gd name="connsiteX1" fmla="*/ 1520041 w 2921330"/>
+                  <a:gd name="connsiteY1" fmla="*/ 40402 h 1477317"/>
+                  <a:gd name="connsiteX2" fmla="*/ 807522 w 2921330"/>
+                  <a:gd name="connsiteY2" fmla="*/ 717296 h 1477317"/>
+                  <a:gd name="connsiteX3" fmla="*/ 2695698 w 2921330"/>
+                  <a:gd name="connsiteY3" fmla="*/ 634168 h 1477317"/>
+                  <a:gd name="connsiteX4" fmla="*/ 2125683 w 2921330"/>
+                  <a:gd name="connsiteY4" fmla="*/ 1370439 h 1477317"/>
+                  <a:gd name="connsiteX5" fmla="*/ 2921330 w 2921330"/>
+                  <a:gd name="connsiteY5" fmla="*/ 1477317 h 1477317"/>
+                </a:gdLst>
+                <a:ahLst/>
+                <a:cxnLst>
+                  <a:cxn ang="0">
+                    <a:pos x="connsiteX0" y="connsiteY0"/>
+                  </a:cxn>
+                  <a:cxn ang="0">
+                    <a:pos x="connsiteX1" y="connsiteY1"/>
+                  </a:cxn>
+                  <a:cxn ang="0">
+                    <a:pos x="connsiteX2" y="connsiteY2"/>
+                  </a:cxn>
+                  <a:cxn ang="0">
+                    <a:pos x="connsiteX3" y="connsiteY3"/>
+                  </a:cxn>
+                  <a:cxn ang="0">
+                    <a:pos x="connsiteX4" y="connsiteY4"/>
+                  </a:cxn>
+                  <a:cxn ang="0">
+                    <a:pos x="connsiteX5" y="connsiteY5"/>
+                  </a:cxn>
+                </a:cxnLst>
+                <a:rect l="l" t="t" r="r" b="b"/>
+                <a:pathLst>
+                  <a:path w="2921330" h="1477317">
+                    <a:moveTo>
+                      <a:pt x="0" y="135405"/>
+                    </a:moveTo>
+                    <a:cubicBezTo>
+                      <a:pt x="692727" y="39412"/>
+                      <a:pt x="1385454" y="-56580"/>
+                      <a:pt x="1520041" y="40402"/>
+                    </a:cubicBezTo>
+                    <a:cubicBezTo>
+                      <a:pt x="1654628" y="137384"/>
+                      <a:pt x="611579" y="618335"/>
+                      <a:pt x="807522" y="717296"/>
+                    </a:cubicBezTo>
+                    <a:cubicBezTo>
+                      <a:pt x="1003465" y="816257"/>
+                      <a:pt x="2476005" y="525311"/>
+                      <a:pt x="2695698" y="634168"/>
+                    </a:cubicBezTo>
+                    <a:cubicBezTo>
+                      <a:pt x="2915392" y="743025"/>
+                      <a:pt x="2088078" y="1229914"/>
+                      <a:pt x="2125683" y="1370439"/>
+                    </a:cubicBezTo>
+                    <a:cubicBezTo>
+                      <a:pt x="2163288" y="1510964"/>
+                      <a:pt x="2782785" y="1455546"/>
+                      <a:pt x="2921330" y="1477317"/>
+                    </a:cubicBezTo>
+                  </a:path>
+                </a:pathLst>
+              </a:custGeom>
+              <a:noFill/>
+              <a:ln w="31750"/>
+            </p:spPr>
+            <p:style>
+              <a:lnRef idx="2">
+                <a:schemeClr val="accent1">
+                  <a:shade val="50000"/>
+                </a:schemeClr>
+              </a:lnRef>
+              <a:fillRef idx="1">
+                <a:schemeClr val="accent1"/>
+              </a:fillRef>
+              <a:effectRef idx="0">
+                <a:schemeClr val="accent1"/>
+              </a:effectRef>
+              <a:fontRef idx="minor">
+                <a:schemeClr val="lt1"/>
+              </a:fontRef>
+            </p:style>
+            <p:txBody>
+              <a:bodyPr rtlCol="0" anchor="ctr"/>
+              <a:lstStyle/>
+              <a:p>
+                <a:pPr algn="ctr"/>
+                <a:endParaRPr lang="pt-PT"/>
+              </a:p>
+            </p:txBody>
+          </p:sp>
+          <p:sp>
+            <p:nvSpPr>
+              <p:cNvPr id="27" name="Forma livre 60"/>
+              <p:cNvSpPr/>
+              <p:nvPr/>
+            </p:nvSpPr>
+            <p:spPr>
+              <a:xfrm rot="21376184">
+                <a:off x="9868395" y="4752214"/>
+                <a:ext cx="1282535" cy="882958"/>
+              </a:xfrm>
+              <a:custGeom>
+                <a:avLst/>
+                <a:gdLst>
+                  <a:gd name="connsiteX0" fmla="*/ 0 w 1282535"/>
+                  <a:gd name="connsiteY0" fmla="*/ 223547 h 882958"/>
+                  <a:gd name="connsiteX1" fmla="*/ 391886 w 1282535"/>
+                  <a:gd name="connsiteY1" fmla="*/ 33542 h 882958"/>
+                  <a:gd name="connsiteX2" fmla="*/ 748145 w 1282535"/>
+                  <a:gd name="connsiteY2" fmla="*/ 829189 h 882958"/>
+                  <a:gd name="connsiteX3" fmla="*/ 1282535 w 1282535"/>
+                  <a:gd name="connsiteY3" fmla="*/ 769812 h 882958"/>
+                </a:gdLst>
+                <a:ahLst/>
+                <a:cxnLst>
+                  <a:cxn ang="0">
+                    <a:pos x="connsiteX0" y="connsiteY0"/>
+                  </a:cxn>
+                  <a:cxn ang="0">
+                    <a:pos x="connsiteX1" y="connsiteY1"/>
+                  </a:cxn>
+                  <a:cxn ang="0">
+                    <a:pos x="connsiteX2" y="connsiteY2"/>
+                  </a:cxn>
+                  <a:cxn ang="0">
+                    <a:pos x="connsiteX3" y="connsiteY3"/>
+                  </a:cxn>
+                </a:cxnLst>
+                <a:rect l="l" t="t" r="r" b="b"/>
+                <a:pathLst>
+                  <a:path w="1282535" h="882958">
+                    <a:moveTo>
+                      <a:pt x="0" y="223547"/>
+                    </a:moveTo>
+                    <a:cubicBezTo>
+                      <a:pt x="133597" y="78074"/>
+                      <a:pt x="267195" y="-67398"/>
+                      <a:pt x="391886" y="33542"/>
+                    </a:cubicBezTo>
+                    <a:cubicBezTo>
+                      <a:pt x="516577" y="134482"/>
+                      <a:pt x="599704" y="706477"/>
+                      <a:pt x="748145" y="829189"/>
+                    </a:cubicBezTo>
+                    <a:cubicBezTo>
+                      <a:pt x="896586" y="951901"/>
+                      <a:pt x="1179615" y="835126"/>
+                      <a:pt x="1282535" y="769812"/>
+                    </a:cubicBezTo>
+                  </a:path>
+                </a:pathLst>
+              </a:custGeom>
+              <a:noFill/>
+              <a:ln w="41275">
+                <a:solidFill>
+                  <a:schemeClr val="tx1">
+                    <a:lumMod val="75000"/>
+                    <a:lumOff val="25000"/>
+                  </a:schemeClr>
+                </a:solidFill>
+              </a:ln>
+            </p:spPr>
+            <p:style>
+              <a:lnRef idx="2">
+                <a:schemeClr val="accent1">
+                  <a:shade val="50000"/>
+                </a:schemeClr>
+              </a:lnRef>
+              <a:fillRef idx="1">
+                <a:schemeClr val="accent1"/>
+              </a:fillRef>
+              <a:effectRef idx="0">
+                <a:schemeClr val="accent1"/>
+              </a:effectRef>
+              <a:fontRef idx="minor">
+                <a:schemeClr val="lt1"/>
+              </a:fontRef>
+            </p:style>
+            <p:txBody>
+              <a:bodyPr rtlCol="0" anchor="ctr"/>
+              <a:lstStyle/>
+              <a:p>
+                <a:pPr algn="ctr"/>
+                <a:endParaRPr lang="pt-PT"/>
+              </a:p>
+            </p:txBody>
+          </p:sp>
+          <p:sp>
+            <p:nvSpPr>
+              <p:cNvPr id="28" name="Forma livre 62"/>
+              <p:cNvSpPr/>
+              <p:nvPr/>
+            </p:nvSpPr>
+            <p:spPr>
+              <a:xfrm>
+                <a:off x="4405745" y="1080655"/>
+                <a:ext cx="3462574" cy="1128155"/>
+              </a:xfrm>
+              <a:custGeom>
+                <a:avLst/>
+                <a:gdLst>
+                  <a:gd name="connsiteX0" fmla="*/ 0 w 3462574"/>
+                  <a:gd name="connsiteY0" fmla="*/ 1128155 h 1128155"/>
+                  <a:gd name="connsiteX1" fmla="*/ 890650 w 3462574"/>
+                  <a:gd name="connsiteY1" fmla="*/ 558140 h 1128155"/>
+                  <a:gd name="connsiteX2" fmla="*/ 3443845 w 3462574"/>
+                  <a:gd name="connsiteY2" fmla="*/ 225631 h 1128155"/>
+                  <a:gd name="connsiteX3" fmla="*/ 2054432 w 3462574"/>
+                  <a:gd name="connsiteY3" fmla="*/ 0 h 1128155"/>
+                </a:gdLst>
+                <a:ahLst/>
+                <a:cxnLst>
+                  <a:cxn ang="0">
+                    <a:pos x="connsiteX0" y="connsiteY0"/>
+                  </a:cxn>
+                  <a:cxn ang="0">
+                    <a:pos x="connsiteX1" y="connsiteY1"/>
+                  </a:cxn>
+                  <a:cxn ang="0">
+                    <a:pos x="connsiteX2" y="connsiteY2"/>
+                  </a:cxn>
+                  <a:cxn ang="0">
+                    <a:pos x="connsiteX3" y="connsiteY3"/>
+                  </a:cxn>
+                </a:cxnLst>
+                <a:rect l="l" t="t" r="r" b="b"/>
+                <a:pathLst>
+                  <a:path w="3462574" h="1128155">
+                    <a:moveTo>
+                      <a:pt x="0" y="1128155"/>
+                    </a:moveTo>
+                    <a:cubicBezTo>
+                      <a:pt x="158338" y="918358"/>
+                      <a:pt x="316676" y="708561"/>
+                      <a:pt x="890650" y="558140"/>
+                    </a:cubicBezTo>
+                    <a:cubicBezTo>
+                      <a:pt x="1464624" y="407719"/>
+                      <a:pt x="3249881" y="318654"/>
+                      <a:pt x="3443845" y="225631"/>
+                    </a:cubicBezTo>
+                    <a:cubicBezTo>
+                      <a:pt x="3637809" y="132608"/>
+                      <a:pt x="2266209" y="45522"/>
+                      <a:pt x="2054432" y="0"/>
+                    </a:cubicBezTo>
+                  </a:path>
+                </a:pathLst>
+              </a:custGeom>
+              <a:noFill/>
+            </p:spPr>
+            <p:style>
+              <a:lnRef idx="2">
+                <a:schemeClr val="accent1">
+                  <a:shade val="50000"/>
+                </a:schemeClr>
+              </a:lnRef>
+              <a:fillRef idx="1">
+                <a:schemeClr val="accent1"/>
+              </a:fillRef>
+              <a:effectRef idx="0">
+                <a:schemeClr val="accent1"/>
+              </a:effectRef>
+              <a:fontRef idx="minor">
+                <a:schemeClr val="lt1"/>
+              </a:fontRef>
+            </p:style>
+            <p:txBody>
+              <a:bodyPr rtlCol="0" anchor="ctr"/>
+              <a:lstStyle/>
+              <a:p>
+                <a:pPr algn="ctr"/>
+                <a:endParaRPr lang="pt-PT"/>
+              </a:p>
+            </p:txBody>
+          </p:sp>
+          <p:sp>
+            <p:nvSpPr>
+              <p:cNvPr id="29" name="CaixaDeTexto 63"/>
+              <p:cNvSpPr txBox="1"/>
+              <p:nvPr/>
+            </p:nvSpPr>
+            <p:spPr>
+              <a:xfrm>
+                <a:off x="5839684" y="269267"/>
+                <a:ext cx="769340" cy="403485"/>
+              </a:xfrm>
+              <a:prstGeom prst="rect">
+                <a:avLst/>
+              </a:prstGeom>
+              <a:noFill/>
+            </p:spPr>
+            <p:txBody>
+              <a:bodyPr wrap="none" rtlCol="0">
+                <a:spAutoFit/>
+              </a:bodyPr>
+              <a:lstStyle/>
+              <a:p>
+                <a:r>
+                  <a:rPr lang="pt-PT" sz="1200" dirty="0" smtClean="0"/>
+                  <a:t>Cliente</a:t>
+                </a:r>
+                <a:endParaRPr lang="pt-PT" sz="1200" dirty="0"/>
+              </a:p>
+            </p:txBody>
+          </p:sp>
+          <p:sp>
+            <p:nvSpPr>
+              <p:cNvPr id="30" name="CaixaDeTexto 64"/>
+              <p:cNvSpPr txBox="1"/>
+              <p:nvPr/>
+            </p:nvSpPr>
+            <p:spPr>
+              <a:xfrm>
+                <a:off x="46317" y="2271465"/>
+                <a:ext cx="769340" cy="403485"/>
+              </a:xfrm>
+              <a:prstGeom prst="rect">
+                <a:avLst/>
+              </a:prstGeom>
+              <a:noFill/>
+            </p:spPr>
+            <p:txBody>
+              <a:bodyPr wrap="none" rtlCol="0">
+                <a:spAutoFit/>
+              </a:bodyPr>
+              <a:lstStyle/>
+              <a:p>
+                <a:r>
+                  <a:rPr lang="pt-PT" sz="1200" dirty="0" smtClean="0"/>
+                  <a:t>Cliente</a:t>
+                </a:r>
+                <a:endParaRPr lang="pt-PT" sz="1200" dirty="0"/>
+              </a:p>
+            </p:txBody>
+          </p:sp>
+          <p:sp>
+            <p:nvSpPr>
+              <p:cNvPr id="31" name="CaixaDeTexto 65"/>
+              <p:cNvSpPr txBox="1"/>
+              <p:nvPr/>
+            </p:nvSpPr>
+            <p:spPr>
+              <a:xfrm>
+                <a:off x="187292" y="4975852"/>
+                <a:ext cx="769340" cy="403485"/>
+              </a:xfrm>
+              <a:prstGeom prst="rect">
+                <a:avLst/>
+              </a:prstGeom>
+              <a:noFill/>
+            </p:spPr>
+            <p:txBody>
+              <a:bodyPr wrap="none" rtlCol="0">
+                <a:spAutoFit/>
+              </a:bodyPr>
+              <a:lstStyle/>
+              <a:p>
+                <a:r>
+                  <a:rPr lang="pt-PT" sz="1200" dirty="0" smtClean="0"/>
+                  <a:t>Cliente</a:t>
+                </a:r>
+                <a:endParaRPr lang="pt-PT" sz="1200" dirty="0"/>
+              </a:p>
+            </p:txBody>
+          </p:sp>
+          <p:sp>
+            <p:nvSpPr>
+              <p:cNvPr id="32" name="CaixaDeTexto 66"/>
+              <p:cNvSpPr txBox="1"/>
+              <p:nvPr/>
+            </p:nvSpPr>
+            <p:spPr>
+              <a:xfrm>
+                <a:off x="3954285" y="6204154"/>
+                <a:ext cx="769340" cy="403485"/>
+              </a:xfrm>
+              <a:prstGeom prst="rect">
+                <a:avLst/>
+              </a:prstGeom>
+              <a:noFill/>
+            </p:spPr>
+            <p:txBody>
+              <a:bodyPr wrap="none" rtlCol="0">
+                <a:spAutoFit/>
+              </a:bodyPr>
+              <a:lstStyle/>
+              <a:p>
+                <a:r>
+                  <a:rPr lang="pt-PT" sz="1200" dirty="0" smtClean="0"/>
+                  <a:t>Cliente</a:t>
+                </a:r>
+                <a:endParaRPr lang="pt-PT" sz="1200" dirty="0"/>
+              </a:p>
+            </p:txBody>
+          </p:sp>
+          <p:sp>
+            <p:nvSpPr>
+              <p:cNvPr id="33" name="CaixaDeTexto 67"/>
+              <p:cNvSpPr txBox="1"/>
+              <p:nvPr/>
+            </p:nvSpPr>
+            <p:spPr>
+              <a:xfrm>
+                <a:off x="9774671" y="1551879"/>
+                <a:ext cx="2126468" cy="672476"/>
+              </a:xfrm>
+              <a:prstGeom prst="rect">
+                <a:avLst/>
+              </a:prstGeom>
+              <a:noFill/>
+            </p:spPr>
+            <p:txBody>
+              <a:bodyPr wrap="square" rtlCol="0">
+                <a:spAutoFit/>
+              </a:bodyPr>
+              <a:lstStyle/>
+              <a:p>
+                <a:r>
+                  <a:rPr lang="pt-PT" sz="2400" b="1" dirty="0" smtClean="0">
+                    <a:solidFill>
+                      <a:schemeClr val="tx2">
+                        <a:lumMod val="60000"/>
+                        <a:lumOff val="40000"/>
+                      </a:schemeClr>
+                    </a:solidFill>
+                  </a:rPr>
+                  <a:t>Servidor</a:t>
+                </a:r>
+                <a:endParaRPr lang="pt-PT" sz="2400" b="1" dirty="0">
+                  <a:solidFill>
+                    <a:schemeClr val="tx2">
+                      <a:lumMod val="60000"/>
+                      <a:lumOff val="40000"/>
+                    </a:schemeClr>
+                  </a:solidFill>
+                </a:endParaRPr>
+              </a:p>
+            </p:txBody>
+          </p:sp>
+          <p:sp>
+            <p:nvSpPr>
+              <p:cNvPr id="34" name="CaixaDeTexto 68"/>
+              <p:cNvSpPr txBox="1"/>
+              <p:nvPr/>
+            </p:nvSpPr>
+            <p:spPr>
+              <a:xfrm>
+                <a:off x="10631095" y="3296564"/>
+                <a:ext cx="1656223" cy="369332"/>
+              </a:xfrm>
+              <a:prstGeom prst="rect">
+                <a:avLst/>
+              </a:prstGeom>
+              <a:noFill/>
+            </p:spPr>
+            <p:txBody>
+              <a:bodyPr wrap="none" rtlCol="0">
+                <a:spAutoFit/>
+              </a:bodyPr>
+              <a:lstStyle/>
+              <a:p>
+                <a:r>
+                  <a:rPr lang="pt-PT" dirty="0" smtClean="0"/>
+                  <a:t>Base de Dados</a:t>
+                </a:r>
+                <a:endParaRPr lang="pt-PT" dirty="0"/>
+              </a:p>
+            </p:txBody>
+          </p:sp>
+          <p:pic>
+            <p:nvPicPr>
+              <p:cNvPr id="35" name="Imagem 70"/>
+              <p:cNvPicPr>
+                <a:picLocks noChangeAspect="1"/>
+              </p:cNvPicPr>
+              <p:nvPr/>
+            </p:nvPicPr>
+            <p:blipFill>
+              <a:blip r:embed="rId10" cstate="print">
+                <a:extLst>
+                  <a:ext uri="{28A0092B-C50C-407E-A947-70E740481C1C}">
+                    <a14:useLocalDpi xmlns:a14="http://schemas.microsoft.com/office/drawing/2010/main" val="0"/>
+                  </a:ext>
+                </a:extLst>
+              </a:blip>
+              <a:stretch>
+                <a:fillRect/>
+              </a:stretch>
+            </p:blipFill>
+            <p:spPr>
+              <a:xfrm>
+                <a:off x="9999020" y="4683562"/>
+                <a:ext cx="838885" cy="1130069"/>
+              </a:xfrm>
+              <a:prstGeom prst="rect">
+                <a:avLst/>
+              </a:prstGeom>
+            </p:spPr>
+          </p:pic>
+          <p:pic>
+            <p:nvPicPr>
+              <p:cNvPr id="36" name="Imagem 71"/>
+              <p:cNvPicPr>
+                <a:picLocks noChangeAspect="1"/>
+              </p:cNvPicPr>
+              <p:nvPr/>
+            </p:nvPicPr>
+            <p:blipFill>
+              <a:blip r:embed="rId11" cstate="print">
+                <a:extLst>
+                  <a:ext uri="{28A0092B-C50C-407E-A947-70E740481C1C}">
+                    <a14:useLocalDpi xmlns:a14="http://schemas.microsoft.com/office/drawing/2010/main" val="0"/>
+                  </a:ext>
+                </a:extLst>
+              </a:blip>
+              <a:stretch>
+                <a:fillRect/>
+              </a:stretch>
+            </p:blipFill>
+            <p:spPr>
+              <a:xfrm>
+                <a:off x="5626922" y="5438974"/>
+                <a:ext cx="559197" cy="753299"/>
+              </a:xfrm>
+              <a:prstGeom prst="rect">
+                <a:avLst/>
+              </a:prstGeom>
+            </p:spPr>
+          </p:pic>
+          <p:pic>
+            <p:nvPicPr>
+              <p:cNvPr id="37" name="Imagem 72"/>
+              <p:cNvPicPr>
+                <a:picLocks noChangeAspect="1"/>
+              </p:cNvPicPr>
+              <p:nvPr/>
+            </p:nvPicPr>
+            <p:blipFill>
+              <a:blip r:embed="rId11" cstate="print">
+                <a:extLst>
+                  <a:ext uri="{28A0092B-C50C-407E-A947-70E740481C1C}">
+                    <a14:useLocalDpi xmlns:a14="http://schemas.microsoft.com/office/drawing/2010/main" val="0"/>
+                  </a:ext>
+                </a:extLst>
+              </a:blip>
+              <a:stretch>
+                <a:fillRect/>
+              </a:stretch>
+            </p:blipFill>
+            <p:spPr>
+              <a:xfrm>
+                <a:off x="1794309" y="5350460"/>
+                <a:ext cx="559197" cy="753299"/>
+              </a:xfrm>
+              <a:prstGeom prst="rect">
+                <a:avLst/>
+              </a:prstGeom>
+            </p:spPr>
+          </p:pic>
+          <p:pic>
+            <p:nvPicPr>
+              <p:cNvPr id="38" name="Imagem 73"/>
+              <p:cNvPicPr>
+                <a:picLocks noChangeAspect="1"/>
+              </p:cNvPicPr>
+              <p:nvPr/>
+            </p:nvPicPr>
+            <p:blipFill>
+              <a:blip r:embed="rId11" cstate="print">
+                <a:extLst>
+                  <a:ext uri="{28A0092B-C50C-407E-A947-70E740481C1C}">
+                    <a14:useLocalDpi xmlns:a14="http://schemas.microsoft.com/office/drawing/2010/main" val="0"/>
+                  </a:ext>
+                </a:extLst>
+              </a:blip>
+              <a:stretch>
+                <a:fillRect/>
+              </a:stretch>
+            </p:blipFill>
+            <p:spPr>
+              <a:xfrm>
+                <a:off x="121332" y="1268082"/>
+                <a:ext cx="559197" cy="753299"/>
+              </a:xfrm>
+              <a:prstGeom prst="rect">
+                <a:avLst/>
+              </a:prstGeom>
+            </p:spPr>
+          </p:pic>
+          <p:pic>
+            <p:nvPicPr>
+              <p:cNvPr id="39" name="Imagem 15"/>
+              <p:cNvPicPr>
+                <a:picLocks noChangeAspect="1"/>
+              </p:cNvPicPr>
+              <p:nvPr/>
+            </p:nvPicPr>
+            <p:blipFill>
+              <a:blip r:embed="rId12" cstate="print">
+                <a:extLst>
+                  <a:ext uri="{28A0092B-C50C-407E-A947-70E740481C1C}">
+                    <a14:useLocalDpi xmlns:a14="http://schemas.microsoft.com/office/drawing/2010/main" val="0"/>
+                  </a:ext>
+                </a:extLst>
+              </a:blip>
+              <a:stretch>
+                <a:fillRect/>
+              </a:stretch>
+            </p:blipFill>
+            <p:spPr>
+              <a:xfrm>
+                <a:off x="8126451" y="994463"/>
+                <a:ext cx="1742433" cy="1340089"/>
+              </a:xfrm>
+              <a:prstGeom prst="rect">
+                <a:avLst/>
+              </a:prstGeom>
+            </p:spPr>
+          </p:pic>
+        </p:grpSp>
+        <p:pic>
+          <p:nvPicPr>
+            <p:cNvPr id="7" name="Imagem 74"/>
+            <p:cNvPicPr>
+              <a:picLocks noChangeAspect="1"/>
+            </p:cNvPicPr>
+            <p:nvPr/>
+          </p:nvPicPr>
+          <p:blipFill>
+            <a:blip r:embed="rId13" cstate="print">
+              <a:extLst>
+                <a:ext uri="{28A0092B-C50C-407E-A947-70E740481C1C}">
+                  <a14:useLocalDpi xmlns:a14="http://schemas.microsoft.com/office/drawing/2010/main" val="0"/>
+                </a:ext>
+              </a:extLst>
+            </a:blip>
+            <a:stretch>
+              <a:fillRect/>
+            </a:stretch>
+          </p:blipFill>
+          <p:spPr>
+            <a:xfrm rot="690025">
+              <a:off x="3112852" y="2707143"/>
+              <a:ext cx="974144" cy="974144"/>
+            </a:xfrm>
+            <a:prstGeom prst="rect">
+              <a:avLst/>
+            </a:prstGeom>
+          </p:spPr>
+        </p:pic>
+      </p:grpSp>
+    </p:spTree>
+    <p:extLst>
+      <p:ext uri="{BB962C8B-B14F-4D97-AF65-F5344CB8AC3E}">
+        <p14:creationId xmlns:p14="http://schemas.microsoft.com/office/powerpoint/2010/main" val="3766030349"/>
+      </p:ext>
+    </p:extLst>
+  </p:cSld>
+  <p:clrMapOvr>
+    <a:masterClrMapping/>
+  </p:clrMapOvr>
+  <mc:AlternateContent xmlns:mc="http://schemas.openxmlformats.org/markup-compatibility/2006">
+    <mc:Choice xmlns:p14="http://schemas.microsoft.com/office/powerpoint/2010/main" Requires="p14">
+      <p:transition spd="med" p14:dur="700">
+        <p:fade/>
+      </p:transition>
+    </mc:Choice>
+    <mc:Fallback>
+      <p:transition spd="med">
+        <p:fade/>
+      </p:transition>
+    </mc:Fallback>
+  </mc:AlternateContent>
+</p:sld>
+</file>
+
+<file path=ppt/slides/slide9.xml><?xml version="1.0" encoding="utf-8"?>
+<p:sld xmlns:a="http://schemas.openxmlformats.org/drawingml/2006/main" xmlns:r="http://schemas.openxmlformats.org/officeDocument/2006/relationships" xmlns:p="http://schemas.openxmlformats.org/presentationml/2006/main">
+  <p:cSld>
+    <p:spTree>
+      <p:nvGrpSpPr>
+        <p:cNvPr id="1" name=""/>
+        <p:cNvGrpSpPr/>
+        <p:nvPr/>
+      </p:nvGrpSpPr>
+      <p:grpSpPr>
+        <a:xfrm>
+          <a:off x="0" y="0"/>
+          <a:ext cx="0" cy="0"/>
+          <a:chOff x="0" y="0"/>
+          <a:chExt cx="0" cy="0"/>
+        </a:xfrm>
+      </p:grpSpPr>
+      <p:sp>
+        <p:nvSpPr>
+          <p:cNvPr id="2" name="Title 1"/>
+          <p:cNvSpPr>
+            <a:spLocks noGrp="1"/>
+          </p:cNvSpPr>
+          <p:nvPr>
+            <p:ph type="title"/>
+          </p:nvPr>
+        </p:nvSpPr>
+        <p:spPr/>
+        <p:txBody>
+          <a:bodyPr/>
+          <a:lstStyle/>
+          <a:p>
+            <a:r>
+              <a:rPr lang="pt-PT" dirty="0" smtClean="0"/>
+              <a:t>Funcionalidades</a:t>
+            </a:r>
+            <a:endParaRPr lang="pt-PT" dirty="0"/>
+          </a:p>
+        </p:txBody>
+      </p:sp>
+      <p:sp>
+        <p:nvSpPr>
+          <p:cNvPr id="3" name="Footer Placeholder 2"/>
+          <p:cNvSpPr>
+            <a:spLocks noGrp="1"/>
+          </p:cNvSpPr>
+          <p:nvPr>
+            <p:ph type="ftr" sz="quarter" idx="11"/>
+          </p:nvPr>
+        </p:nvSpPr>
+        <p:spPr/>
+        <p:txBody>
+          <a:bodyPr/>
+          <a:lstStyle/>
+          <a:p>
+            <a:r>
+              <a:rPr lang="pt-PT" smtClean="0"/>
+              <a:t>SharedPen – Projecto de Sistemas de Informação 2014/15</a:t>
+            </a:r>
+            <a:endParaRPr lang="pt-PT" dirty="0"/>
+          </a:p>
+        </p:txBody>
+      </p:sp>
+      <p:sp>
+        <p:nvSpPr>
+          <p:cNvPr id="4" name="Slide Number Placeholder 3"/>
+          <p:cNvSpPr>
+            <a:spLocks noGrp="1"/>
+          </p:cNvSpPr>
+          <p:nvPr>
+            <p:ph type="sldNum" sz="quarter" idx="12"/>
+          </p:nvPr>
+        </p:nvSpPr>
+        <p:spPr/>
+        <p:txBody>
+          <a:bodyPr/>
+          <a:lstStyle/>
+          <a:p>
+            <a:pPr rtl="0"/>
+            <a:r>
+              <a:rPr lang="pt-PT" smtClean="0"/>
+              <a:t>‹#›</a:t>
+            </a:r>
+            <a:endParaRPr lang="pt-PT" dirty="0"/>
+          </a:p>
+        </p:txBody>
+      </p:sp>
+    </p:spTree>
+    <p:extLst>
+      <p:ext uri="{BB962C8B-B14F-4D97-AF65-F5344CB8AC3E}">
+        <p14:creationId xmlns:p14="http://schemas.microsoft.com/office/powerpoint/2010/main" val="4157959110"/>
       </p:ext>
     </p:extLst>
   </p:cSld>
@@ -6254,14 +9529,14 @@
 <file path=customXml/itemProps3.xml><?xml version="1.0" encoding="utf-8"?>
 <ds:datastoreItem xmlns:ds="http://schemas.openxmlformats.org/officeDocument/2006/customXml" ds:itemID="{91BC99BC-3A63-4255-9D4F-38C5B80A3193}">
   <ds:schemaRefs>
-    <ds:schemaRef ds:uri="http://purl.org/dc/elements/1.1/"/>
+    <ds:schemaRef ds:uri="http://purl.org/dc/terms/"/>
+    <ds:schemaRef ds:uri="http://schemas.microsoft.com/office/2006/documentManagement/types"/>
+    <ds:schemaRef ds:uri="http://purl.org/dc/dcmitype/"/>
+    <ds:schemaRef ds:uri="http://www.w3.org/XML/1998/namespace"/>
     <ds:schemaRef ds:uri="http://schemas.openxmlformats.org/package/2006/metadata/core-properties"/>
-    <ds:schemaRef ds:uri="http://purl.org/dc/dcmitype/"/>
-    <ds:schemaRef ds:uri="http://schemas.microsoft.com/office/2006/documentManagement/types"/>
     <ds:schemaRef ds:uri="http://schemas.microsoft.com/office/infopath/2007/PartnerControls"/>
     <ds:schemaRef ds:uri="http://schemas.microsoft.com/office/2006/metadata/properties"/>
-    <ds:schemaRef ds:uri="http://purl.org/dc/terms/"/>
-    <ds:schemaRef ds:uri="http://www.w3.org/XML/1998/namespace"/>
+    <ds:schemaRef ds:uri="http://purl.org/dc/elements/1.1/"/>
   </ds:schemaRefs>
 </ds:datastoreItem>
 </file>
--- a/Apresentação_professor_v1.pptx
+++ b/Apresentação_professor_v1.pptx
@@ -4351,11 +4351,7 @@
             <a:pPr rtl="0"/>
             <a:r>
               <a:rPr lang="pt-PT" dirty="0" err="1" smtClean="0"/>
-              <a:t>Shared</a:t>
-            </a:r>
-            <a:r>
-              <a:rPr lang="pt-PT" dirty="0" err="1" smtClean="0"/>
-              <a:t>Pen</a:t>
+              <a:t>SharedPen</a:t>
             </a:r>
             <a:endParaRPr lang="pt-PT" dirty="0"/>
           </a:p>
@@ -4817,13 +4813,13 @@
   <p:clrMapOvr>
     <a:masterClrMapping/>
   </p:clrMapOvr>
-  <mc:AlternateContent xmlns:mc="http://schemas.openxmlformats.org/markup-compatibility/2006">
-    <mc:Choice xmlns:p14="http://schemas.microsoft.com/office/powerpoint/2010/main" Requires="p14">
+  <mc:AlternateContent xmlns:mc="http://schemas.openxmlformats.org/markup-compatibility/2006" xmlns:p14="http://schemas.microsoft.com/office/powerpoint/2010/main">
+    <mc:Choice Requires="p14">
       <p:transition spd="med" p14:dur="700">
         <p:fade/>
       </p:transition>
     </mc:Choice>
-    <mc:Fallback>
+    <mc:Fallback xmlns="">
       <p:transition spd="med">
         <p:fade/>
       </p:transition>
@@ -5718,13 +5714,13 @@
   <p:clrMapOvr>
     <a:masterClrMapping/>
   </p:clrMapOvr>
-  <mc:AlternateContent xmlns:mc="http://schemas.openxmlformats.org/markup-compatibility/2006">
-    <mc:Choice xmlns:p14="http://schemas.microsoft.com/office/powerpoint/2010/main" Requires="p14">
+  <mc:AlternateContent xmlns:mc="http://schemas.openxmlformats.org/markup-compatibility/2006" xmlns:p14="http://schemas.microsoft.com/office/powerpoint/2010/main">
+    <mc:Choice Requires="p14">
       <p:transition spd="med" p14:dur="700">
         <p:fade/>
       </p:transition>
     </mc:Choice>
-    <mc:Fallback>
+    <mc:Fallback xmlns="">
       <p:transition spd="med">
         <p:fade/>
       </p:transition>
@@ -6094,13 +6090,13 @@
   <p:clrMapOvr>
     <a:masterClrMapping/>
   </p:clrMapOvr>
-  <mc:AlternateContent xmlns:mc="http://schemas.openxmlformats.org/markup-compatibility/2006">
-    <mc:Choice xmlns:p14="http://schemas.microsoft.com/office/powerpoint/2010/main" Requires="p14">
+  <mc:AlternateContent xmlns:mc="http://schemas.openxmlformats.org/markup-compatibility/2006" xmlns:p14="http://schemas.microsoft.com/office/powerpoint/2010/main">
+    <mc:Choice Requires="p14">
       <p:transition spd="med" p14:dur="700">
         <p:fade/>
       </p:transition>
     </mc:Choice>
-    <mc:Fallback>
+    <mc:Fallback xmlns="">
       <p:transition spd="med">
         <p:fade/>
       </p:transition>
@@ -6214,7 +6210,7 @@
         <p:spPr>
           <a:xfrm>
             <a:off x="781878" y="2375522"/>
-            <a:ext cx="9700592" cy="1728128"/>
+            <a:ext cx="9700592" cy="2660304"/>
           </a:xfrm>
           <a:prstGeom prst="rect">
             <a:avLst/>
@@ -6412,13 +6408,13 @@
   <p:clrMapOvr>
     <a:masterClrMapping/>
   </p:clrMapOvr>
-  <mc:AlternateContent xmlns:mc="http://schemas.openxmlformats.org/markup-compatibility/2006">
-    <mc:Choice xmlns:p14="http://schemas.microsoft.com/office/powerpoint/2010/main" Requires="p14">
+  <mc:AlternateContent xmlns:mc="http://schemas.openxmlformats.org/markup-compatibility/2006" xmlns:p14="http://schemas.microsoft.com/office/powerpoint/2010/main">
+    <mc:Choice Requires="p14">
       <p:transition spd="med" p14:dur="700">
         <p:fade/>
       </p:transition>
     </mc:Choice>
-    <mc:Fallback>
+    <mc:Fallback xmlns="">
       <p:transition spd="med">
         <p:fade/>
       </p:transition>
@@ -8463,13 +8459,13 @@
   <p:clrMapOvr>
     <a:masterClrMapping/>
   </p:clrMapOvr>
-  <mc:AlternateContent xmlns:mc="http://schemas.openxmlformats.org/markup-compatibility/2006">
-    <mc:Choice xmlns:p14="http://schemas.microsoft.com/office/powerpoint/2010/main" Requires="p14">
+  <mc:AlternateContent xmlns:mc="http://schemas.openxmlformats.org/markup-compatibility/2006" xmlns:p14="http://schemas.microsoft.com/office/powerpoint/2010/main">
+    <mc:Choice Requires="p14">
       <p:transition spd="med" p14:dur="700">
         <p:fade/>
       </p:transition>
     </mc:Choice>
-    <mc:Fallback>
+    <mc:Fallback xmlns="">
       <p:transition spd="med">
         <p:fade/>
       </p:transition>
@@ -8575,13 +8571,13 @@
   <p:clrMapOvr>
     <a:masterClrMapping/>
   </p:clrMapOvr>
-  <mc:AlternateContent xmlns:mc="http://schemas.openxmlformats.org/markup-compatibility/2006">
-    <mc:Choice xmlns:p14="http://schemas.microsoft.com/office/powerpoint/2010/main" Requires="p14">
+  <mc:AlternateContent xmlns:mc="http://schemas.openxmlformats.org/markup-compatibility/2006" xmlns:p14="http://schemas.microsoft.com/office/powerpoint/2010/main">
+    <mc:Choice Requires="p14">
       <p:transition spd="med" p14:dur="700">
         <p:fade/>
       </p:transition>
     </mc:Choice>
-    <mc:Fallback>
+    <mc:Fallback xmlns="">
       <p:transition spd="med">
         <p:fade/>
       </p:transition>
@@ -9488,18 +9484,18 @@
 </file>
 
 <file path=customXml/item2.xml><?xml version="1.0" encoding="utf-8"?>
+<p:properties xmlns:p="http://schemas.microsoft.com/office/2006/metadata/properties" xmlns:xsi="http://www.w3.org/2001/XMLSchema-instance" xmlns:pc="http://schemas.microsoft.com/office/infopath/2007/PartnerControls">
+  <documentManagement/>
+</p:properties>
+</file>
+
+<file path=customXml/item3.xml><?xml version="1.0" encoding="utf-8"?>
 <?mso-contentType ?>
 <FormTemplates xmlns="http://schemas.microsoft.com/sharepoint/v3/contenttype/forms">
   <Display>DocumentLibraryForm</Display>
   <Edit>DocumentLibraryForm</Edit>
   <New>DocumentLibraryForm</New>
 </FormTemplates>
-</file>
-
-<file path=customXml/item3.xml><?xml version="1.0" encoding="utf-8"?>
-<p:properties xmlns:p="http://schemas.microsoft.com/office/2006/metadata/properties" xmlns:xsi="http://www.w3.org/2001/XMLSchema-instance" xmlns:pc="http://schemas.microsoft.com/office/infopath/2007/PartnerControls">
-  <documentManagement/>
-</p:properties>
 </file>
 
 <file path=customXml/itemProps1.xml><?xml version="1.0" encoding="utf-8"?>
@@ -9519,14 +9515,6 @@
 </file>
 
 <file path=customXml/itemProps2.xml><?xml version="1.0" encoding="utf-8"?>
-<ds:datastoreItem xmlns:ds="http://schemas.openxmlformats.org/officeDocument/2006/customXml" ds:itemID="{9F7A874A-6E55-415B-9061-8B2D43DC2F48}">
-  <ds:schemaRefs>
-    <ds:schemaRef ds:uri="http://schemas.microsoft.com/sharepoint/v3/contenttype/forms"/>
-  </ds:schemaRefs>
-</ds:datastoreItem>
-</file>
-
-<file path=customXml/itemProps3.xml><?xml version="1.0" encoding="utf-8"?>
 <ds:datastoreItem xmlns:ds="http://schemas.openxmlformats.org/officeDocument/2006/customXml" ds:itemID="{91BC99BC-3A63-4255-9D4F-38C5B80A3193}">
   <ds:schemaRefs>
     <ds:schemaRef ds:uri="http://purl.org/dc/terms/"/>
@@ -9539,4 +9527,12 @@
     <ds:schemaRef ds:uri="http://purl.org/dc/elements/1.1/"/>
   </ds:schemaRefs>
 </ds:datastoreItem>
+</file>
+
+<file path=customXml/itemProps3.xml><?xml version="1.0" encoding="utf-8"?>
+<ds:datastoreItem xmlns:ds="http://schemas.openxmlformats.org/officeDocument/2006/customXml" ds:itemID="{9F7A874A-6E55-415B-9061-8B2D43DC2F48}">
+  <ds:schemaRefs>
+    <ds:schemaRef ds:uri="http://schemas.microsoft.com/sharepoint/v3/contenttype/forms"/>
+  </ds:schemaRefs>
+</ds:datastoreItem>
 </file>
--- a/Apresentação_professor_v1.pptx
+++ b/Apresentação_professor_v1.pptx
@@ -214,7 +214,7 @@
             <a:fld id="{37A1BFF5-21BF-4160-B9BB-AE71C1FED557}" type="datetime1">
               <a:rPr lang="pt-PT" smtClean="0"/>
               <a:pPr algn="r" rtl="0"/>
-              <a:t>15/04/2015</a:t>
+              <a:t>16/04/2015</a:t>
             </a:fld>
             <a:endParaRPr lang="pt-PT" dirty="0"/>
           </a:p>
@@ -384,7 +384,7 @@
             <a:fld id="{9976EA48-158B-44E6-AD53-699CA8A0F7E6}" type="datetime1">
               <a:rPr lang="pt-PT" smtClean="0"/>
               <a:pPr/>
-              <a:t>15/04/2015</a:t>
+              <a:t>16/04/2015</a:t>
             </a:fld>
             <a:endParaRPr lang="pt-PT" dirty="0"/>
           </a:p>
@@ -1178,7 +1178,7 @@
             <a:pPr rtl="0"/>
             <a:fld id="{91AC7CBD-17BA-4564-A78B-867AB4D84BAF}" type="datetime1">
               <a:rPr lang="pt-PT" smtClean="0"/>
-              <a:t>15/04/2015</a:t>
+              <a:t>16/04/2015</a:t>
             </a:fld>
             <a:endParaRPr lang="pt-PT" dirty="0"/>
           </a:p>
@@ -1638,7 +1638,7 @@
           <a:p>
             <a:fld id="{4713F5D0-830C-4962-94A4-BBDD74DFC88D}" type="datetime1">
               <a:rPr lang="pt-PT" smtClean="0"/>
-              <a:t>15/04/2015</a:t>
+              <a:t>16/04/2015</a:t>
             </a:fld>
             <a:endParaRPr lang="pt-PT" dirty="0"/>
           </a:p>
@@ -1986,7 +1986,7 @@
             <a:pPr rtl="0"/>
             <a:fld id="{A6B0A519-FF1E-4E03-AC96-013D178F918D}" type="datetime1">
               <a:rPr lang="pt-PT" smtClean="0"/>
-              <a:t>15/04/2015</a:t>
+              <a:t>16/04/2015</a:t>
             </a:fld>
             <a:endParaRPr lang="pt-PT" dirty="0"/>
           </a:p>
@@ -2433,7 +2433,7 @@
             <a:pPr rtl="0"/>
             <a:fld id="{292DE215-9969-4DA9-B33A-A364F2EE9811}" type="datetime1">
               <a:rPr lang="pt-PT" smtClean="0"/>
-              <a:t>15/04/2015</a:t>
+              <a:t>16/04/2015</a:t>
             </a:fld>
             <a:endParaRPr lang="pt-PT" dirty="0"/>
           </a:p>
@@ -2623,7 +2623,7 @@
             <a:pPr rtl="0"/>
             <a:fld id="{6B475633-534F-45A7-B0B6-0F8F351ECD8A}" type="datetime1">
               <a:rPr lang="pt-PT" smtClean="0"/>
-              <a:t>15/04/2015</a:t>
+              <a:t>16/04/2015</a:t>
             </a:fld>
             <a:endParaRPr lang="pt-PT" dirty="0"/>
           </a:p>
@@ -2790,7 +2790,7 @@
             <a:pPr rtl="0"/>
             <a:fld id="{087C4115-C081-498D-93A4-745608AEABE8}" type="datetime1">
               <a:rPr lang="pt-PT" smtClean="0"/>
-              <a:t>15/04/2015</a:t>
+              <a:t>16/04/2015</a:t>
             </a:fld>
             <a:endParaRPr lang="pt-PT" dirty="0"/>
           </a:p>
@@ -3166,7 +3166,7 @@
             <a:pPr rtl="0"/>
             <a:fld id="{500B787E-5745-4DE6-84E9-6B3D5A80081F}" type="datetime1">
               <a:rPr lang="pt-PT" smtClean="0"/>
-              <a:t>15/04/2015</a:t>
+              <a:t>16/04/2015</a:t>
             </a:fld>
             <a:endParaRPr lang="pt-PT" dirty="0"/>
           </a:p>
@@ -3486,7 +3486,7 @@
             <a:pPr rtl="0"/>
             <a:fld id="{EFE141A0-1FB9-4DEB-ADFF-D9C472385D53}" type="datetime1">
               <a:rPr lang="pt-PT" smtClean="0"/>
-              <a:t>15/04/2015</a:t>
+              <a:t>16/04/2015</a:t>
             </a:fld>
             <a:endParaRPr lang="pt-PT" dirty="0"/>
           </a:p>
@@ -3866,7 +3866,7 @@
             <a:pPr rtl="0"/>
             <a:fld id="{A24B92E2-433E-4BF3-9426-68C5E17B33A4}" type="datetime1">
               <a:rPr lang="pt-PT" smtClean="0"/>
-              <a:t>15/04/2015</a:t>
+              <a:t>16/04/2015</a:t>
             </a:fld>
             <a:endParaRPr lang="pt-PT" dirty="0"/>
           </a:p>
@@ -4600,7 +4600,7 @@
         </p:nvSpPr>
         <p:spPr>
           <a:xfrm>
-            <a:off x="1280160" y="3581469"/>
+            <a:off x="1280160" y="2611541"/>
             <a:ext cx="8852452" cy="1480862"/>
           </a:xfrm>
           <a:prstGeom prst="rect">
@@ -4928,8 +4928,8 @@
         </p:nvSpPr>
         <p:spPr>
           <a:xfrm>
-            <a:off x="768626" y="3424238"/>
-            <a:ext cx="6228521" cy="1863380"/>
+            <a:off x="1280160" y="2375521"/>
+            <a:ext cx="6059533" cy="1863380"/>
           </a:xfrm>
         </p:spPr>
         <p:txBody>
@@ -5114,7 +5114,7 @@
         </p:nvSpPr>
         <p:spPr>
           <a:xfrm>
-            <a:off x="781878" y="2375521"/>
+            <a:off x="1280160" y="2375521"/>
             <a:ext cx="9700592" cy="3433763"/>
           </a:xfrm>
           <a:prstGeom prst="rect">
@@ -5474,7 +5474,7 @@
         </p:nvSpPr>
         <p:spPr>
           <a:xfrm>
-            <a:off x="781878" y="2375522"/>
+            <a:off x="1280160" y="2364275"/>
             <a:ext cx="9700592" cy="1728128"/>
           </a:xfrm>
           <a:prstGeom prst="rect">
@@ -5891,7 +5891,7 @@
         </p:nvSpPr>
         <p:spPr>
           <a:xfrm>
-            <a:off x="848140" y="2465293"/>
+            <a:off x="1280160" y="2465293"/>
             <a:ext cx="4227444" cy="3711670"/>
           </a:xfrm>
           <a:prstGeom prst="rect">
@@ -6209,7 +6209,7 @@
         </p:nvSpPr>
         <p:spPr>
           <a:xfrm>
-            <a:off x="781878" y="2375522"/>
+            <a:off x="1280160" y="2375522"/>
             <a:ext cx="9700592" cy="2660304"/>
           </a:xfrm>
           <a:prstGeom prst="rect">
@@ -9484,18 +9484,18 @@
 </file>
 
 <file path=customXml/item2.xml><?xml version="1.0" encoding="utf-8"?>
-<p:properties xmlns:p="http://schemas.microsoft.com/office/2006/metadata/properties" xmlns:xsi="http://www.w3.org/2001/XMLSchema-instance" xmlns:pc="http://schemas.microsoft.com/office/infopath/2007/PartnerControls">
-  <documentManagement/>
-</p:properties>
-</file>
-
-<file path=customXml/item3.xml><?xml version="1.0" encoding="utf-8"?>
 <?mso-contentType ?>
 <FormTemplates xmlns="http://schemas.microsoft.com/sharepoint/v3/contenttype/forms">
   <Display>DocumentLibraryForm</Display>
   <Edit>DocumentLibraryForm</Edit>
   <New>DocumentLibraryForm</New>
 </FormTemplates>
+</file>
+
+<file path=customXml/item3.xml><?xml version="1.0" encoding="utf-8"?>
+<p:properties xmlns:p="http://schemas.microsoft.com/office/2006/metadata/properties" xmlns:xsi="http://www.w3.org/2001/XMLSchema-instance" xmlns:pc="http://schemas.microsoft.com/office/infopath/2007/PartnerControls">
+  <documentManagement/>
+</p:properties>
 </file>
 
 <file path=customXml/itemProps1.xml><?xml version="1.0" encoding="utf-8"?>
@@ -9515,6 +9515,14 @@
 </file>
 
 <file path=customXml/itemProps2.xml><?xml version="1.0" encoding="utf-8"?>
+<ds:datastoreItem xmlns:ds="http://schemas.openxmlformats.org/officeDocument/2006/customXml" ds:itemID="{9F7A874A-6E55-415B-9061-8B2D43DC2F48}">
+  <ds:schemaRefs>
+    <ds:schemaRef ds:uri="http://schemas.microsoft.com/sharepoint/v3/contenttype/forms"/>
+  </ds:schemaRefs>
+</ds:datastoreItem>
+</file>
+
+<file path=customXml/itemProps3.xml><?xml version="1.0" encoding="utf-8"?>
 <ds:datastoreItem xmlns:ds="http://schemas.openxmlformats.org/officeDocument/2006/customXml" ds:itemID="{91BC99BC-3A63-4255-9D4F-38C5B80A3193}">
   <ds:schemaRefs>
     <ds:schemaRef ds:uri="http://purl.org/dc/terms/"/>
@@ -9527,12 +9535,4 @@
     <ds:schemaRef ds:uri="http://purl.org/dc/elements/1.1/"/>
   </ds:schemaRefs>
 </ds:datastoreItem>
-</file>
-
-<file path=customXml/itemProps3.xml><?xml version="1.0" encoding="utf-8"?>
-<ds:datastoreItem xmlns:ds="http://schemas.openxmlformats.org/officeDocument/2006/customXml" ds:itemID="{9F7A874A-6E55-415B-9061-8B2D43DC2F48}">
-  <ds:schemaRefs>
-    <ds:schemaRef ds:uri="http://schemas.microsoft.com/sharepoint/v3/contenttype/forms"/>
-  </ds:schemaRefs>
-</ds:datastoreItem>
 </file>